--- a/public/IQEngine_Plugins.pptx
+++ b/public/IQEngine_Plugins.pptx
@@ -2,18 +2,18 @@
 <file path=ppt/presentation.xml><?xml version="1.0" encoding="utf-8"?>
 <p:presentation xmlns:a="http://schemas.openxmlformats.org/drawingml/2006/main" xmlns:r="http://schemas.openxmlformats.org/officeDocument/2006/relationships" xmlns:p="http://schemas.openxmlformats.org/presentationml/2006/main" saveSubsetFonts="1">
   <p:sldMasterIdLst>
-    <p:sldMasterId id="2147483648" r:id="rId1"/>
+    <p:sldMasterId id="2147483684" r:id="rId1"/>
   </p:sldMasterIdLst>
   <p:sldIdLst>
     <p:sldId id="256" r:id="rId2"/>
   </p:sldIdLst>
-  <p:sldSz cx="12192000" cy="6858000"/>
+  <p:sldSz cx="8229600" cy="4297363"/>
   <p:notesSz cx="6858000" cy="9144000"/>
   <p:defaultTextStyle>
     <a:defPPr>
       <a:defRPr lang="en-US"/>
     </a:defPPr>
-    <a:lvl1pPr marL="0" algn="l" defTabSz="914400" rtl="0" eaLnBrk="1" latinLnBrk="0" hangingPunct="1">
+    <a:lvl1pPr marL="0" algn="l" defTabSz="457200" rtl="0" eaLnBrk="1" latinLnBrk="0" hangingPunct="1">
       <a:defRPr sz="1800" kern="1200">
         <a:solidFill>
           <a:schemeClr val="tx1"/>
@@ -23,7 +23,7 @@
         <a:cs typeface="+mn-cs"/>
       </a:defRPr>
     </a:lvl1pPr>
-    <a:lvl2pPr marL="457200" algn="l" defTabSz="914400" rtl="0" eaLnBrk="1" latinLnBrk="0" hangingPunct="1">
+    <a:lvl2pPr marL="457200" algn="l" defTabSz="457200" rtl="0" eaLnBrk="1" latinLnBrk="0" hangingPunct="1">
       <a:defRPr sz="1800" kern="1200">
         <a:solidFill>
           <a:schemeClr val="tx1"/>
@@ -33,7 +33,7 @@
         <a:cs typeface="+mn-cs"/>
       </a:defRPr>
     </a:lvl2pPr>
-    <a:lvl3pPr marL="914400" algn="l" defTabSz="914400" rtl="0" eaLnBrk="1" latinLnBrk="0" hangingPunct="1">
+    <a:lvl3pPr marL="914400" algn="l" defTabSz="457200" rtl="0" eaLnBrk="1" latinLnBrk="0" hangingPunct="1">
       <a:defRPr sz="1800" kern="1200">
         <a:solidFill>
           <a:schemeClr val="tx1"/>
@@ -43,7 +43,7 @@
         <a:cs typeface="+mn-cs"/>
       </a:defRPr>
     </a:lvl3pPr>
-    <a:lvl4pPr marL="1371600" algn="l" defTabSz="914400" rtl="0" eaLnBrk="1" latinLnBrk="0" hangingPunct="1">
+    <a:lvl4pPr marL="1371600" algn="l" defTabSz="457200" rtl="0" eaLnBrk="1" latinLnBrk="0" hangingPunct="1">
       <a:defRPr sz="1800" kern="1200">
         <a:solidFill>
           <a:schemeClr val="tx1"/>
@@ -53,7 +53,7 @@
         <a:cs typeface="+mn-cs"/>
       </a:defRPr>
     </a:lvl4pPr>
-    <a:lvl5pPr marL="1828800" algn="l" defTabSz="914400" rtl="0" eaLnBrk="1" latinLnBrk="0" hangingPunct="1">
+    <a:lvl5pPr marL="1828800" algn="l" defTabSz="457200" rtl="0" eaLnBrk="1" latinLnBrk="0" hangingPunct="1">
       <a:defRPr sz="1800" kern="1200">
         <a:solidFill>
           <a:schemeClr val="tx1"/>
@@ -63,7 +63,7 @@
         <a:cs typeface="+mn-cs"/>
       </a:defRPr>
     </a:lvl5pPr>
-    <a:lvl6pPr marL="2286000" algn="l" defTabSz="914400" rtl="0" eaLnBrk="1" latinLnBrk="0" hangingPunct="1">
+    <a:lvl6pPr marL="2286000" algn="l" defTabSz="457200" rtl="0" eaLnBrk="1" latinLnBrk="0" hangingPunct="1">
       <a:defRPr sz="1800" kern="1200">
         <a:solidFill>
           <a:schemeClr val="tx1"/>
@@ -73,7 +73,7 @@
         <a:cs typeface="+mn-cs"/>
       </a:defRPr>
     </a:lvl6pPr>
-    <a:lvl7pPr marL="2743200" algn="l" defTabSz="914400" rtl="0" eaLnBrk="1" latinLnBrk="0" hangingPunct="1">
+    <a:lvl7pPr marL="2743200" algn="l" defTabSz="457200" rtl="0" eaLnBrk="1" latinLnBrk="0" hangingPunct="1">
       <a:defRPr sz="1800" kern="1200">
         <a:solidFill>
           <a:schemeClr val="tx1"/>
@@ -83,7 +83,7 @@
         <a:cs typeface="+mn-cs"/>
       </a:defRPr>
     </a:lvl7pPr>
-    <a:lvl8pPr marL="3200400" algn="l" defTabSz="914400" rtl="0" eaLnBrk="1" latinLnBrk="0" hangingPunct="1">
+    <a:lvl8pPr marL="3200400" algn="l" defTabSz="457200" rtl="0" eaLnBrk="1" latinLnBrk="0" hangingPunct="1">
       <a:defRPr sz="1800" kern="1200">
         <a:solidFill>
           <a:schemeClr val="tx1"/>
@@ -93,7 +93,7 @@
         <a:cs typeface="+mn-cs"/>
       </a:defRPr>
     </a:lvl8pPr>
-    <a:lvl9pPr marL="3657600" algn="l" defTabSz="914400" rtl="0" eaLnBrk="1" latinLnBrk="0" hangingPunct="1">
+    <a:lvl9pPr marL="3657600" algn="l" defTabSz="457200" rtl="0" eaLnBrk="1" latinLnBrk="0" hangingPunct="1">
       <a:defRPr sz="1800" kern="1200">
         <a:solidFill>
           <a:schemeClr val="tx1"/>
@@ -104,13 +104,18 @@
       </a:defRPr>
     </a:lvl9pPr>
   </p:defaultTextStyle>
+  <p:extLst>
+    <p:ext uri="{EFAFB233-063F-42B5-8137-9DF3F51BA10A}">
+      <p15:sldGuideLst xmlns:p15="http://schemas.microsoft.com/office/powerpoint/2012/main"/>
+    </p:ext>
+  </p:extLst>
 </p:presentation>
 </file>
 
 <file path=ppt/revisionInfo.xml><?xml version="1.0" encoding="utf-8"?>
 <p1510:revInfo xmlns:a="http://schemas.openxmlformats.org/drawingml/2006/main" xmlns:r="http://schemas.openxmlformats.org/officeDocument/2006/relationships" xmlns:p1510="http://schemas.microsoft.com/office/powerpoint/2015/10/main">
   <p1510:revLst>
-    <p1510:client id="{1E460084-488A-467B-8FF5-008E49F1C507}" v="1" dt="2023-01-27T20:40:57.254"/>
+    <p1510:client id="{1E460084-488A-467B-8FF5-008E49F1C507}" v="7" dt="2023-01-27T20:51:02.567"/>
   </p1510:revLst>
 </p1510:revInfo>
 </file>
@@ -119,73 +124,529 @@
 <pc:chgInfo xmlns:a="http://schemas.openxmlformats.org/drawingml/2006/main" xmlns:r="http://schemas.openxmlformats.org/officeDocument/2006/relationships" xmlns:ac="http://schemas.microsoft.com/office/drawing/2013/main/command" xmlns:pc="http://schemas.microsoft.com/office/powerpoint/2013/main/command">
   <pc:docChgLst>
     <pc:chgData name="Marc Lichtman" userId="bade3a5b-be95-4aa6-b2d3-e917051786f3" providerId="ADAL" clId="{1E460084-488A-467B-8FF5-008E49F1C507}"/>
-    <pc:docChg chg="modSld">
-      <pc:chgData name="Marc Lichtman" userId="bade3a5b-be95-4aa6-b2d3-e917051786f3" providerId="ADAL" clId="{1E460084-488A-467B-8FF5-008E49F1C507}" dt="2023-01-27T20:41:18.386" v="39" actId="1076"/>
+    <pc:docChg chg="undo custSel modSld">
+      <pc:chgData name="Marc Lichtman" userId="bade3a5b-be95-4aa6-b2d3-e917051786f3" providerId="ADAL" clId="{1E460084-488A-467B-8FF5-008E49F1C507}" dt="2023-01-27T20:51:06.282" v="89" actId="1038"/>
       <pc:docMkLst>
         <pc:docMk/>
       </pc:docMkLst>
-      <pc:sldChg chg="addSp modSp mod">
-        <pc:chgData name="Marc Lichtman" userId="bade3a5b-be95-4aa6-b2d3-e917051786f3" providerId="ADAL" clId="{1E460084-488A-467B-8FF5-008E49F1C507}" dt="2023-01-27T20:41:18.386" v="39" actId="1076"/>
+      <pc:sldChg chg="addSp delSp modSp mod">
+        <pc:chgData name="Marc Lichtman" userId="bade3a5b-be95-4aa6-b2d3-e917051786f3" providerId="ADAL" clId="{1E460084-488A-467B-8FF5-008E49F1C507}" dt="2023-01-27T20:51:06.282" v="89" actId="1038"/>
         <pc:sldMkLst>
           <pc:docMk/>
           <pc:sldMk cId="2263444556" sldId="256"/>
         </pc:sldMkLst>
-        <pc:spChg chg="mod">
-          <ac:chgData name="Marc Lichtman" userId="bade3a5b-be95-4aa6-b2d3-e917051786f3" providerId="ADAL" clId="{1E460084-488A-467B-8FF5-008E49F1C507}" dt="2023-01-27T20:40:23.019" v="0" actId="207"/>
+        <pc:spChg chg="add del mod">
+          <ac:chgData name="Marc Lichtman" userId="bade3a5b-be95-4aa6-b2d3-e917051786f3" providerId="ADAL" clId="{1E460084-488A-467B-8FF5-008E49F1C507}" dt="2023-01-27T20:50:52.868" v="69" actId="21"/>
+          <ac:spMkLst>
+            <pc:docMk/>
+            <pc:sldMk cId="2263444556" sldId="256"/>
+            <ac:spMk id="2" creationId="{0D1D16E2-C7E3-63B6-6272-49F48D57019C}"/>
+          </ac:spMkLst>
+        </pc:spChg>
+        <pc:spChg chg="add del mod">
+          <ac:chgData name="Marc Lichtman" userId="bade3a5b-be95-4aa6-b2d3-e917051786f3" providerId="ADAL" clId="{1E460084-488A-467B-8FF5-008E49F1C507}" dt="2023-01-27T20:50:52.868" v="69" actId="21"/>
+          <ac:spMkLst>
+            <pc:docMk/>
+            <pc:sldMk cId="2263444556" sldId="256"/>
+            <ac:spMk id="3" creationId="{1ED65C87-E2BB-27E7-C881-F22F2F532CB8}"/>
+          </ac:spMkLst>
+        </pc:spChg>
+        <pc:spChg chg="del mod">
+          <ac:chgData name="Marc Lichtman" userId="bade3a5b-be95-4aa6-b2d3-e917051786f3" providerId="ADAL" clId="{1E460084-488A-467B-8FF5-008E49F1C507}" dt="2023-01-27T20:50:44.114" v="67" actId="21"/>
+          <ac:spMkLst>
+            <pc:docMk/>
+            <pc:sldMk cId="2263444556" sldId="256"/>
+            <ac:spMk id="4" creationId="{546225C8-FACD-6097-FB85-12F4D8553630}"/>
+          </ac:spMkLst>
+        </pc:spChg>
+        <pc:spChg chg="del mod">
+          <ac:chgData name="Marc Lichtman" userId="bade3a5b-be95-4aa6-b2d3-e917051786f3" providerId="ADAL" clId="{1E460084-488A-467B-8FF5-008E49F1C507}" dt="2023-01-27T20:50:44.114" v="67" actId="21"/>
+          <ac:spMkLst>
+            <pc:docMk/>
+            <pc:sldMk cId="2263444556" sldId="256"/>
+            <ac:spMk id="5" creationId="{322AB1EE-F4B2-1DBE-BA49-E3DC0026DD90}"/>
+          </ac:spMkLst>
+        </pc:spChg>
+        <pc:spChg chg="del mod">
+          <ac:chgData name="Marc Lichtman" userId="bade3a5b-be95-4aa6-b2d3-e917051786f3" providerId="ADAL" clId="{1E460084-488A-467B-8FF5-008E49F1C507}" dt="2023-01-27T20:50:44.114" v="67" actId="21"/>
+          <ac:spMkLst>
+            <pc:docMk/>
+            <pc:sldMk cId="2263444556" sldId="256"/>
+            <ac:spMk id="6" creationId="{04D88026-B9E8-EE9B-660A-FF09E719E157}"/>
+          </ac:spMkLst>
+        </pc:spChg>
+        <pc:spChg chg="add del mod">
+          <ac:chgData name="Marc Lichtman" userId="bade3a5b-be95-4aa6-b2d3-e917051786f3" providerId="ADAL" clId="{1E460084-488A-467B-8FF5-008E49F1C507}" dt="2023-01-27T20:50:52.868" v="69" actId="21"/>
+          <ac:spMkLst>
+            <pc:docMk/>
+            <pc:sldMk cId="2263444556" sldId="256"/>
+            <ac:spMk id="7" creationId="{E2E1AFD2-210C-3489-BE85-8A8545FA3CB5}"/>
+          </ac:spMkLst>
+        </pc:spChg>
+        <pc:spChg chg="del mod">
+          <ac:chgData name="Marc Lichtman" userId="bade3a5b-be95-4aa6-b2d3-e917051786f3" providerId="ADAL" clId="{1E460084-488A-467B-8FF5-008E49F1C507}" dt="2023-01-27T20:50:44.114" v="67" actId="21"/>
           <ac:spMkLst>
             <pc:docMk/>
             <pc:sldMk cId="2263444556" sldId="256"/>
             <ac:spMk id="14" creationId="{19C05932-A695-4814-B223-1B5FCA052768}"/>
           </ac:spMkLst>
         </pc:spChg>
-        <pc:spChg chg="mod">
-          <ac:chgData name="Marc Lichtman" userId="bade3a5b-be95-4aa6-b2d3-e917051786f3" providerId="ADAL" clId="{1E460084-488A-467B-8FF5-008E49F1C507}" dt="2023-01-27T20:40:23.019" v="0" actId="207"/>
+        <pc:spChg chg="del mod">
+          <ac:chgData name="Marc Lichtman" userId="bade3a5b-be95-4aa6-b2d3-e917051786f3" providerId="ADAL" clId="{1E460084-488A-467B-8FF5-008E49F1C507}" dt="2023-01-27T20:50:44.114" v="67" actId="21"/>
           <ac:spMkLst>
             <pc:docMk/>
             <pc:sldMk cId="2263444556" sldId="256"/>
             <ac:spMk id="15" creationId="{874B9CF9-19C9-D7A1-5629-A2BD9227AEC9}"/>
           </ac:spMkLst>
         </pc:spChg>
-        <pc:spChg chg="mod">
-          <ac:chgData name="Marc Lichtman" userId="bade3a5b-be95-4aa6-b2d3-e917051786f3" providerId="ADAL" clId="{1E460084-488A-467B-8FF5-008E49F1C507}" dt="2023-01-27T20:40:23.019" v="0" actId="207"/>
+        <pc:spChg chg="del mod">
+          <ac:chgData name="Marc Lichtman" userId="bade3a5b-be95-4aa6-b2d3-e917051786f3" providerId="ADAL" clId="{1E460084-488A-467B-8FF5-008E49F1C507}" dt="2023-01-27T20:50:44.114" v="67" actId="21"/>
           <ac:spMkLst>
             <pc:docMk/>
             <pc:sldMk cId="2263444556" sldId="256"/>
             <ac:spMk id="16" creationId="{A800FD2F-7F36-A4B3-26C6-75B0E7131F58}"/>
           </ac:spMkLst>
         </pc:spChg>
-        <pc:spChg chg="mod">
-          <ac:chgData name="Marc Lichtman" userId="bade3a5b-be95-4aa6-b2d3-e917051786f3" providerId="ADAL" clId="{1E460084-488A-467B-8FF5-008E49F1C507}" dt="2023-01-27T20:40:23.019" v="0" actId="207"/>
+        <pc:spChg chg="del mod">
+          <ac:chgData name="Marc Lichtman" userId="bade3a5b-be95-4aa6-b2d3-e917051786f3" providerId="ADAL" clId="{1E460084-488A-467B-8FF5-008E49F1C507}" dt="2023-01-27T20:50:44.114" v="67" actId="21"/>
           <ac:spMkLst>
             <pc:docMk/>
             <pc:sldMk cId="2263444556" sldId="256"/>
             <ac:spMk id="17" creationId="{AC8CF966-4E79-1109-CEB5-21517B3F5C31}"/>
           </ac:spMkLst>
         </pc:spChg>
-        <pc:spChg chg="mod">
-          <ac:chgData name="Marc Lichtman" userId="bade3a5b-be95-4aa6-b2d3-e917051786f3" providerId="ADAL" clId="{1E460084-488A-467B-8FF5-008E49F1C507}" dt="2023-01-27T20:40:31.900" v="3" actId="207"/>
+        <pc:spChg chg="del mod">
+          <ac:chgData name="Marc Lichtman" userId="bade3a5b-be95-4aa6-b2d3-e917051786f3" providerId="ADAL" clId="{1E460084-488A-467B-8FF5-008E49F1C507}" dt="2023-01-27T20:50:44.114" v="67" actId="21"/>
           <ac:spMkLst>
             <pc:docMk/>
             <pc:sldMk cId="2263444556" sldId="256"/>
             <ac:spMk id="19" creationId="{B77C2D70-7AF2-4A71-22FC-67B8FA4909B8}"/>
           </ac:spMkLst>
         </pc:spChg>
-        <pc:spChg chg="mod">
-          <ac:chgData name="Marc Lichtman" userId="bade3a5b-be95-4aa6-b2d3-e917051786f3" providerId="ADAL" clId="{1E460084-488A-467B-8FF5-008E49F1C507}" dt="2023-01-27T20:40:38.783" v="5" actId="207"/>
+        <pc:spChg chg="del mod">
+          <ac:chgData name="Marc Lichtman" userId="bade3a5b-be95-4aa6-b2d3-e917051786f3" providerId="ADAL" clId="{1E460084-488A-467B-8FF5-008E49F1C507}" dt="2023-01-27T20:50:44.114" v="67" actId="21"/>
           <ac:spMkLst>
             <pc:docMk/>
             <pc:sldMk cId="2263444556" sldId="256"/>
             <ac:spMk id="20" creationId="{078A0C82-F2B2-A373-ED21-5D26B5B8897A}"/>
           </ac:spMkLst>
         </pc:spChg>
-        <pc:spChg chg="add mod">
-          <ac:chgData name="Marc Lichtman" userId="bade3a5b-be95-4aa6-b2d3-e917051786f3" providerId="ADAL" clId="{1E460084-488A-467B-8FF5-008E49F1C507}" dt="2023-01-27T20:41:18.386" v="39" actId="1076"/>
+        <pc:spChg chg="add del mod">
+          <ac:chgData name="Marc Lichtman" userId="bade3a5b-be95-4aa6-b2d3-e917051786f3" providerId="ADAL" clId="{1E460084-488A-467B-8FF5-008E49F1C507}" dt="2023-01-27T20:50:44.114" v="67" actId="21"/>
           <ac:spMkLst>
             <pc:docMk/>
             <pc:sldMk cId="2263444556" sldId="256"/>
             <ac:spMk id="21" creationId="{DB30B731-DECF-BAF7-56F8-A9DF967026B2}"/>
           </ac:spMkLst>
         </pc:spChg>
+        <pc:spChg chg="add del mod">
+          <ac:chgData name="Marc Lichtman" userId="bade3a5b-be95-4aa6-b2d3-e917051786f3" providerId="ADAL" clId="{1E460084-488A-467B-8FF5-008E49F1C507}" dt="2023-01-27T20:50:52.868" v="69" actId="21"/>
+          <ac:spMkLst>
+            <pc:docMk/>
+            <pc:sldMk cId="2263444556" sldId="256"/>
+            <ac:spMk id="27" creationId="{D87161AE-EEAF-A095-ABED-0946BDF327BB}"/>
+          </ac:spMkLst>
+        </pc:spChg>
+        <pc:spChg chg="add del mod">
+          <ac:chgData name="Marc Lichtman" userId="bade3a5b-be95-4aa6-b2d3-e917051786f3" providerId="ADAL" clId="{1E460084-488A-467B-8FF5-008E49F1C507}" dt="2023-01-27T20:50:52.868" v="69" actId="21"/>
+          <ac:spMkLst>
+            <pc:docMk/>
+            <pc:sldMk cId="2263444556" sldId="256"/>
+            <ac:spMk id="28" creationId="{A7D38A55-244E-B7F0-2E10-5603EB920590}"/>
+          </ac:spMkLst>
+        </pc:spChg>
+        <pc:spChg chg="add del mod">
+          <ac:chgData name="Marc Lichtman" userId="bade3a5b-be95-4aa6-b2d3-e917051786f3" providerId="ADAL" clId="{1E460084-488A-467B-8FF5-008E49F1C507}" dt="2023-01-27T20:50:52.868" v="69" actId="21"/>
+          <ac:spMkLst>
+            <pc:docMk/>
+            <pc:sldMk cId="2263444556" sldId="256"/>
+            <ac:spMk id="29" creationId="{9C98E854-1CCE-607F-368F-B8E82A584B7B}"/>
+          </ac:spMkLst>
+        </pc:spChg>
+        <pc:spChg chg="add del mod">
+          <ac:chgData name="Marc Lichtman" userId="bade3a5b-be95-4aa6-b2d3-e917051786f3" providerId="ADAL" clId="{1E460084-488A-467B-8FF5-008E49F1C507}" dt="2023-01-27T20:50:52.868" v="69" actId="21"/>
+          <ac:spMkLst>
+            <pc:docMk/>
+            <pc:sldMk cId="2263444556" sldId="256"/>
+            <ac:spMk id="30" creationId="{2570F861-C650-9ADA-391B-C2DE961857D4}"/>
+          </ac:spMkLst>
+        </pc:spChg>
+        <pc:spChg chg="add del mod">
+          <ac:chgData name="Marc Lichtman" userId="bade3a5b-be95-4aa6-b2d3-e917051786f3" providerId="ADAL" clId="{1E460084-488A-467B-8FF5-008E49F1C507}" dt="2023-01-27T20:50:52.868" v="69" actId="21"/>
+          <ac:spMkLst>
+            <pc:docMk/>
+            <pc:sldMk cId="2263444556" sldId="256"/>
+            <ac:spMk id="31" creationId="{B8CD9AB8-50E5-DBB9-B3F7-45795E7E5ABD}"/>
+          </ac:spMkLst>
+        </pc:spChg>
+        <pc:spChg chg="add del mod">
+          <ac:chgData name="Marc Lichtman" userId="bade3a5b-be95-4aa6-b2d3-e917051786f3" providerId="ADAL" clId="{1E460084-488A-467B-8FF5-008E49F1C507}" dt="2023-01-27T20:50:52.868" v="69" actId="21"/>
+          <ac:spMkLst>
+            <pc:docMk/>
+            <pc:sldMk cId="2263444556" sldId="256"/>
+            <ac:spMk id="32" creationId="{E3B359A9-43DE-5ADD-1EF9-12ABA0E7A545}"/>
+          </ac:spMkLst>
+        </pc:spChg>
+        <pc:spChg chg="add del mod">
+          <ac:chgData name="Marc Lichtman" userId="bade3a5b-be95-4aa6-b2d3-e917051786f3" providerId="ADAL" clId="{1E460084-488A-467B-8FF5-008E49F1C507}" dt="2023-01-27T20:50:52.868" v="69" actId="21"/>
+          <ac:spMkLst>
+            <pc:docMk/>
+            <pc:sldMk cId="2263444556" sldId="256"/>
+            <ac:spMk id="33" creationId="{2E04D33F-842D-585E-A04E-C90E0762B41F}"/>
+          </ac:spMkLst>
+        </pc:spChg>
+        <pc:spChg chg="add del mod">
+          <ac:chgData name="Marc Lichtman" userId="bade3a5b-be95-4aa6-b2d3-e917051786f3" providerId="ADAL" clId="{1E460084-488A-467B-8FF5-008E49F1C507}" dt="2023-01-27T20:50:58.102" v="71" actId="21"/>
+          <ac:spMkLst>
+            <pc:docMk/>
+            <pc:sldMk cId="2263444556" sldId="256"/>
+            <ac:spMk id="34" creationId="{8B8B1CDB-C8AA-7D54-D1ED-F2D719248A6E}"/>
+          </ac:spMkLst>
+        </pc:spChg>
+        <pc:spChg chg="add del mod">
+          <ac:chgData name="Marc Lichtman" userId="bade3a5b-be95-4aa6-b2d3-e917051786f3" providerId="ADAL" clId="{1E460084-488A-467B-8FF5-008E49F1C507}" dt="2023-01-27T20:50:58.102" v="71" actId="21"/>
+          <ac:spMkLst>
+            <pc:docMk/>
+            <pc:sldMk cId="2263444556" sldId="256"/>
+            <ac:spMk id="35" creationId="{A5AF1523-4F7A-72F6-4C3E-A19931B2AEF4}"/>
+          </ac:spMkLst>
+        </pc:spChg>
+        <pc:spChg chg="add del mod">
+          <ac:chgData name="Marc Lichtman" userId="bade3a5b-be95-4aa6-b2d3-e917051786f3" providerId="ADAL" clId="{1E460084-488A-467B-8FF5-008E49F1C507}" dt="2023-01-27T20:50:58.102" v="71" actId="21"/>
+          <ac:spMkLst>
+            <pc:docMk/>
+            <pc:sldMk cId="2263444556" sldId="256"/>
+            <ac:spMk id="36" creationId="{DA8E3B60-13F3-0E55-2A82-8328ACFAC3C3}"/>
+          </ac:spMkLst>
+        </pc:spChg>
+        <pc:spChg chg="add del mod">
+          <ac:chgData name="Marc Lichtman" userId="bade3a5b-be95-4aa6-b2d3-e917051786f3" providerId="ADAL" clId="{1E460084-488A-467B-8FF5-008E49F1C507}" dt="2023-01-27T20:50:58.102" v="71" actId="21"/>
+          <ac:spMkLst>
+            <pc:docMk/>
+            <pc:sldMk cId="2263444556" sldId="256"/>
+            <ac:spMk id="43" creationId="{3017ABA5-78EF-B5EC-6E72-90D43678B374}"/>
+          </ac:spMkLst>
+        </pc:spChg>
+        <pc:spChg chg="add del mod">
+          <ac:chgData name="Marc Lichtman" userId="bade3a5b-be95-4aa6-b2d3-e917051786f3" providerId="ADAL" clId="{1E460084-488A-467B-8FF5-008E49F1C507}" dt="2023-01-27T20:50:58.102" v="71" actId="21"/>
+          <ac:spMkLst>
+            <pc:docMk/>
+            <pc:sldMk cId="2263444556" sldId="256"/>
+            <ac:spMk id="44" creationId="{722C917F-F999-30B5-B6D7-6798787A6F44}"/>
+          </ac:spMkLst>
+        </pc:spChg>
+        <pc:spChg chg="add del mod">
+          <ac:chgData name="Marc Lichtman" userId="bade3a5b-be95-4aa6-b2d3-e917051786f3" providerId="ADAL" clId="{1E460084-488A-467B-8FF5-008E49F1C507}" dt="2023-01-27T20:50:58.102" v="71" actId="21"/>
+          <ac:spMkLst>
+            <pc:docMk/>
+            <pc:sldMk cId="2263444556" sldId="256"/>
+            <ac:spMk id="45" creationId="{EB67D2ED-0AFE-F0FA-881E-55EBA973D7A4}"/>
+          </ac:spMkLst>
+        </pc:spChg>
+        <pc:spChg chg="add del mod">
+          <ac:chgData name="Marc Lichtman" userId="bade3a5b-be95-4aa6-b2d3-e917051786f3" providerId="ADAL" clId="{1E460084-488A-467B-8FF5-008E49F1C507}" dt="2023-01-27T20:50:58.102" v="71" actId="21"/>
+          <ac:spMkLst>
+            <pc:docMk/>
+            <pc:sldMk cId="2263444556" sldId="256"/>
+            <ac:spMk id="46" creationId="{D9E9BA5A-D65F-373C-242F-240D68E09531}"/>
+          </ac:spMkLst>
+        </pc:spChg>
+        <pc:spChg chg="add del mod">
+          <ac:chgData name="Marc Lichtman" userId="bade3a5b-be95-4aa6-b2d3-e917051786f3" providerId="ADAL" clId="{1E460084-488A-467B-8FF5-008E49F1C507}" dt="2023-01-27T20:50:58.102" v="71" actId="21"/>
+          <ac:spMkLst>
+            <pc:docMk/>
+            <pc:sldMk cId="2263444556" sldId="256"/>
+            <ac:spMk id="47" creationId="{35A19EE8-5831-8B9A-9A0F-591CC2E9F302}"/>
+          </ac:spMkLst>
+        </pc:spChg>
+        <pc:spChg chg="add del mod">
+          <ac:chgData name="Marc Lichtman" userId="bade3a5b-be95-4aa6-b2d3-e917051786f3" providerId="ADAL" clId="{1E460084-488A-467B-8FF5-008E49F1C507}" dt="2023-01-27T20:50:58.102" v="71" actId="21"/>
+          <ac:spMkLst>
+            <pc:docMk/>
+            <pc:sldMk cId="2263444556" sldId="256"/>
+            <ac:spMk id="48" creationId="{75224DA5-7746-6DD6-C76D-1B3DDFD9CD64}"/>
+          </ac:spMkLst>
+        </pc:spChg>
+        <pc:spChg chg="add del mod">
+          <ac:chgData name="Marc Lichtman" userId="bade3a5b-be95-4aa6-b2d3-e917051786f3" providerId="ADAL" clId="{1E460084-488A-467B-8FF5-008E49F1C507}" dt="2023-01-27T20:50:58.102" v="71" actId="21"/>
+          <ac:spMkLst>
+            <pc:docMk/>
+            <pc:sldMk cId="2263444556" sldId="256"/>
+            <ac:spMk id="49" creationId="{A5E3A023-5929-14E1-AB37-86C3E8ACF0FF}"/>
+          </ac:spMkLst>
+        </pc:spChg>
+        <pc:spChg chg="add mod">
+          <ac:chgData name="Marc Lichtman" userId="bade3a5b-be95-4aa6-b2d3-e917051786f3" providerId="ADAL" clId="{1E460084-488A-467B-8FF5-008E49F1C507}" dt="2023-01-27T20:51:06.282" v="89" actId="1038"/>
+          <ac:spMkLst>
+            <pc:docMk/>
+            <pc:sldMk cId="2263444556" sldId="256"/>
+            <ac:spMk id="50" creationId="{2CF50149-1322-8AEA-CA1C-4CB6A9506E03}"/>
+          </ac:spMkLst>
+        </pc:spChg>
+        <pc:spChg chg="add mod">
+          <ac:chgData name="Marc Lichtman" userId="bade3a5b-be95-4aa6-b2d3-e917051786f3" providerId="ADAL" clId="{1E460084-488A-467B-8FF5-008E49F1C507}" dt="2023-01-27T20:51:06.282" v="89" actId="1038"/>
+          <ac:spMkLst>
+            <pc:docMk/>
+            <pc:sldMk cId="2263444556" sldId="256"/>
+            <ac:spMk id="51" creationId="{77AC6129-98BD-8FDB-FD8C-D35D4AE3EF2D}"/>
+          </ac:spMkLst>
+        </pc:spChg>
+        <pc:spChg chg="add mod">
+          <ac:chgData name="Marc Lichtman" userId="bade3a5b-be95-4aa6-b2d3-e917051786f3" providerId="ADAL" clId="{1E460084-488A-467B-8FF5-008E49F1C507}" dt="2023-01-27T20:51:06.282" v="89" actId="1038"/>
+          <ac:spMkLst>
+            <pc:docMk/>
+            <pc:sldMk cId="2263444556" sldId="256"/>
+            <ac:spMk id="52" creationId="{BEEF4F88-1FF8-0922-EE0D-FEEF7B4667A9}"/>
+          </ac:spMkLst>
+        </pc:spChg>
+        <pc:spChg chg="add mod">
+          <ac:chgData name="Marc Lichtman" userId="bade3a5b-be95-4aa6-b2d3-e917051786f3" providerId="ADAL" clId="{1E460084-488A-467B-8FF5-008E49F1C507}" dt="2023-01-27T20:51:06.282" v="89" actId="1038"/>
+          <ac:spMkLst>
+            <pc:docMk/>
+            <pc:sldMk cId="2263444556" sldId="256"/>
+            <ac:spMk id="59" creationId="{12EE6DC5-7088-3618-2AC3-F441D234DA37}"/>
+          </ac:spMkLst>
+        </pc:spChg>
+        <pc:spChg chg="add mod">
+          <ac:chgData name="Marc Lichtman" userId="bade3a5b-be95-4aa6-b2d3-e917051786f3" providerId="ADAL" clId="{1E460084-488A-467B-8FF5-008E49F1C507}" dt="2023-01-27T20:51:06.282" v="89" actId="1038"/>
+          <ac:spMkLst>
+            <pc:docMk/>
+            <pc:sldMk cId="2263444556" sldId="256"/>
+            <ac:spMk id="60" creationId="{502AC14F-6451-98F1-4695-FE3FDB33AD2A}"/>
+          </ac:spMkLst>
+        </pc:spChg>
+        <pc:spChg chg="add mod">
+          <ac:chgData name="Marc Lichtman" userId="bade3a5b-be95-4aa6-b2d3-e917051786f3" providerId="ADAL" clId="{1E460084-488A-467B-8FF5-008E49F1C507}" dt="2023-01-27T20:51:06.282" v="89" actId="1038"/>
+          <ac:spMkLst>
+            <pc:docMk/>
+            <pc:sldMk cId="2263444556" sldId="256"/>
+            <ac:spMk id="61" creationId="{99234B84-2911-A9A9-7BC0-C2EE0CA4F3EC}"/>
+          </ac:spMkLst>
+        </pc:spChg>
+        <pc:spChg chg="add mod">
+          <ac:chgData name="Marc Lichtman" userId="bade3a5b-be95-4aa6-b2d3-e917051786f3" providerId="ADAL" clId="{1E460084-488A-467B-8FF5-008E49F1C507}" dt="2023-01-27T20:51:06.282" v="89" actId="1038"/>
+          <ac:spMkLst>
+            <pc:docMk/>
+            <pc:sldMk cId="2263444556" sldId="256"/>
+            <ac:spMk id="62" creationId="{BB9EF498-F851-A520-1934-9E01112D1EDB}"/>
+          </ac:spMkLst>
+        </pc:spChg>
+        <pc:spChg chg="add mod">
+          <ac:chgData name="Marc Lichtman" userId="bade3a5b-be95-4aa6-b2d3-e917051786f3" providerId="ADAL" clId="{1E460084-488A-467B-8FF5-008E49F1C507}" dt="2023-01-27T20:51:06.282" v="89" actId="1038"/>
+          <ac:spMkLst>
+            <pc:docMk/>
+            <pc:sldMk cId="2263444556" sldId="256"/>
+            <ac:spMk id="63" creationId="{D977F581-40DB-E5B8-F5F1-2087389127E9}"/>
+          </ac:spMkLst>
+        </pc:spChg>
+        <pc:spChg chg="add mod">
+          <ac:chgData name="Marc Lichtman" userId="bade3a5b-be95-4aa6-b2d3-e917051786f3" providerId="ADAL" clId="{1E460084-488A-467B-8FF5-008E49F1C507}" dt="2023-01-27T20:51:06.282" v="89" actId="1038"/>
+          <ac:spMkLst>
+            <pc:docMk/>
+            <pc:sldMk cId="2263444556" sldId="256"/>
+            <ac:spMk id="64" creationId="{EE9D21AE-B957-4E96-1691-6F172CF9CF55}"/>
+          </ac:spMkLst>
+        </pc:spChg>
+        <pc:spChg chg="add mod">
+          <ac:chgData name="Marc Lichtman" userId="bade3a5b-be95-4aa6-b2d3-e917051786f3" providerId="ADAL" clId="{1E460084-488A-467B-8FF5-008E49F1C507}" dt="2023-01-27T20:51:06.282" v="89" actId="1038"/>
+          <ac:spMkLst>
+            <pc:docMk/>
+            <pc:sldMk cId="2263444556" sldId="256"/>
+            <ac:spMk id="65" creationId="{EF536F3F-B822-C4EF-6578-EC477E3657B2}"/>
+          </ac:spMkLst>
+        </pc:spChg>
+        <pc:cxnChg chg="del mod">
+          <ac:chgData name="Marc Lichtman" userId="bade3a5b-be95-4aa6-b2d3-e917051786f3" providerId="ADAL" clId="{1E460084-488A-467B-8FF5-008E49F1C507}" dt="2023-01-27T20:50:44.114" v="67" actId="21"/>
+          <ac:cxnSpMkLst>
+            <pc:docMk/>
+            <pc:sldMk cId="2263444556" sldId="256"/>
+            <ac:cxnSpMk id="8" creationId="{BA38BF00-5AA1-9D65-3BCD-D575B79CB2D4}"/>
+          </ac:cxnSpMkLst>
+        </pc:cxnChg>
+        <pc:cxnChg chg="del mod">
+          <ac:chgData name="Marc Lichtman" userId="bade3a5b-be95-4aa6-b2d3-e917051786f3" providerId="ADAL" clId="{1E460084-488A-467B-8FF5-008E49F1C507}" dt="2023-01-27T20:50:44.114" v="67" actId="21"/>
+          <ac:cxnSpMkLst>
+            <pc:docMk/>
+            <pc:sldMk cId="2263444556" sldId="256"/>
+            <ac:cxnSpMk id="9" creationId="{2EFF61E3-7AF9-F939-4AFD-EC2AB38CEE78}"/>
+          </ac:cxnSpMkLst>
+        </pc:cxnChg>
+        <pc:cxnChg chg="del mod">
+          <ac:chgData name="Marc Lichtman" userId="bade3a5b-be95-4aa6-b2d3-e917051786f3" providerId="ADAL" clId="{1E460084-488A-467B-8FF5-008E49F1C507}" dt="2023-01-27T20:50:44.114" v="67" actId="21"/>
+          <ac:cxnSpMkLst>
+            <pc:docMk/>
+            <pc:sldMk cId="2263444556" sldId="256"/>
+            <ac:cxnSpMk id="10" creationId="{9C8660A3-9699-BF78-0C3C-48EE02676CC0}"/>
+          </ac:cxnSpMkLst>
+        </pc:cxnChg>
+        <pc:cxnChg chg="del mod">
+          <ac:chgData name="Marc Lichtman" userId="bade3a5b-be95-4aa6-b2d3-e917051786f3" providerId="ADAL" clId="{1E460084-488A-467B-8FF5-008E49F1C507}" dt="2023-01-27T20:50:44.114" v="67" actId="21"/>
+          <ac:cxnSpMkLst>
+            <pc:docMk/>
+            <pc:sldMk cId="2263444556" sldId="256"/>
+            <ac:cxnSpMk id="11" creationId="{7E152909-15B6-EE70-BB2D-028BCE35F7F7}"/>
+          </ac:cxnSpMkLst>
+        </pc:cxnChg>
+        <pc:cxnChg chg="del mod">
+          <ac:chgData name="Marc Lichtman" userId="bade3a5b-be95-4aa6-b2d3-e917051786f3" providerId="ADAL" clId="{1E460084-488A-467B-8FF5-008E49F1C507}" dt="2023-01-27T20:50:44.114" v="67" actId="21"/>
+          <ac:cxnSpMkLst>
+            <pc:docMk/>
+            <pc:sldMk cId="2263444556" sldId="256"/>
+            <ac:cxnSpMk id="12" creationId="{411D173F-8FA4-D7C2-CC80-E0DF77FE4742}"/>
+          </ac:cxnSpMkLst>
+        </pc:cxnChg>
+        <pc:cxnChg chg="del mod">
+          <ac:chgData name="Marc Lichtman" userId="bade3a5b-be95-4aa6-b2d3-e917051786f3" providerId="ADAL" clId="{1E460084-488A-467B-8FF5-008E49F1C507}" dt="2023-01-27T20:50:44.114" v="67" actId="21"/>
+          <ac:cxnSpMkLst>
+            <pc:docMk/>
+            <pc:sldMk cId="2263444556" sldId="256"/>
+            <ac:cxnSpMk id="13" creationId="{755F482A-DBBC-8D9F-E679-02ECE1C9B7D0}"/>
+          </ac:cxnSpMkLst>
+        </pc:cxnChg>
+        <pc:cxnChg chg="add del mod">
+          <ac:chgData name="Marc Lichtman" userId="bade3a5b-be95-4aa6-b2d3-e917051786f3" providerId="ADAL" clId="{1E460084-488A-467B-8FF5-008E49F1C507}" dt="2023-01-27T20:50:52.868" v="69" actId="21"/>
+          <ac:cxnSpMkLst>
+            <pc:docMk/>
+            <pc:sldMk cId="2263444556" sldId="256"/>
+            <ac:cxnSpMk id="18" creationId="{C95DE0D0-F690-DD90-0102-DA987F0F0792}"/>
+          </ac:cxnSpMkLst>
+        </pc:cxnChg>
+        <pc:cxnChg chg="add del mod">
+          <ac:chgData name="Marc Lichtman" userId="bade3a5b-be95-4aa6-b2d3-e917051786f3" providerId="ADAL" clId="{1E460084-488A-467B-8FF5-008E49F1C507}" dt="2023-01-27T20:50:52.868" v="69" actId="21"/>
+          <ac:cxnSpMkLst>
+            <pc:docMk/>
+            <pc:sldMk cId="2263444556" sldId="256"/>
+            <ac:cxnSpMk id="22" creationId="{D3E742C8-70F4-7F68-E57B-9DC4DF5795CD}"/>
+          </ac:cxnSpMkLst>
+        </pc:cxnChg>
+        <pc:cxnChg chg="add del mod">
+          <ac:chgData name="Marc Lichtman" userId="bade3a5b-be95-4aa6-b2d3-e917051786f3" providerId="ADAL" clId="{1E460084-488A-467B-8FF5-008E49F1C507}" dt="2023-01-27T20:50:52.868" v="69" actId="21"/>
+          <ac:cxnSpMkLst>
+            <pc:docMk/>
+            <pc:sldMk cId="2263444556" sldId="256"/>
+            <ac:cxnSpMk id="23" creationId="{34CAAE51-5313-ABFA-9717-B7C0394E0448}"/>
+          </ac:cxnSpMkLst>
+        </pc:cxnChg>
+        <pc:cxnChg chg="add del mod">
+          <ac:chgData name="Marc Lichtman" userId="bade3a5b-be95-4aa6-b2d3-e917051786f3" providerId="ADAL" clId="{1E460084-488A-467B-8FF5-008E49F1C507}" dt="2023-01-27T20:50:52.868" v="69" actId="21"/>
+          <ac:cxnSpMkLst>
+            <pc:docMk/>
+            <pc:sldMk cId="2263444556" sldId="256"/>
+            <ac:cxnSpMk id="24" creationId="{8CD83997-8628-3C50-F5D8-B3C975C8FD0D}"/>
+          </ac:cxnSpMkLst>
+        </pc:cxnChg>
+        <pc:cxnChg chg="add del mod">
+          <ac:chgData name="Marc Lichtman" userId="bade3a5b-be95-4aa6-b2d3-e917051786f3" providerId="ADAL" clId="{1E460084-488A-467B-8FF5-008E49F1C507}" dt="2023-01-27T20:50:52.868" v="69" actId="21"/>
+          <ac:cxnSpMkLst>
+            <pc:docMk/>
+            <pc:sldMk cId="2263444556" sldId="256"/>
+            <ac:cxnSpMk id="25" creationId="{9AEE7F09-FC95-961B-F046-A8DFB0AF7710}"/>
+          </ac:cxnSpMkLst>
+        </pc:cxnChg>
+        <pc:cxnChg chg="add del mod">
+          <ac:chgData name="Marc Lichtman" userId="bade3a5b-be95-4aa6-b2d3-e917051786f3" providerId="ADAL" clId="{1E460084-488A-467B-8FF5-008E49F1C507}" dt="2023-01-27T20:50:52.868" v="69" actId="21"/>
+          <ac:cxnSpMkLst>
+            <pc:docMk/>
+            <pc:sldMk cId="2263444556" sldId="256"/>
+            <ac:cxnSpMk id="26" creationId="{CBEBFEDD-05ED-E5AA-C67D-326601C2CD9A}"/>
+          </ac:cxnSpMkLst>
+        </pc:cxnChg>
+        <pc:cxnChg chg="add del mod">
+          <ac:chgData name="Marc Lichtman" userId="bade3a5b-be95-4aa6-b2d3-e917051786f3" providerId="ADAL" clId="{1E460084-488A-467B-8FF5-008E49F1C507}" dt="2023-01-27T20:50:58.102" v="71" actId="21"/>
+          <ac:cxnSpMkLst>
+            <pc:docMk/>
+            <pc:sldMk cId="2263444556" sldId="256"/>
+            <ac:cxnSpMk id="37" creationId="{411B4F50-356F-E734-875D-FC3F17513228}"/>
+          </ac:cxnSpMkLst>
+        </pc:cxnChg>
+        <pc:cxnChg chg="add del mod">
+          <ac:chgData name="Marc Lichtman" userId="bade3a5b-be95-4aa6-b2d3-e917051786f3" providerId="ADAL" clId="{1E460084-488A-467B-8FF5-008E49F1C507}" dt="2023-01-27T20:50:58.102" v="71" actId="21"/>
+          <ac:cxnSpMkLst>
+            <pc:docMk/>
+            <pc:sldMk cId="2263444556" sldId="256"/>
+            <ac:cxnSpMk id="38" creationId="{13A41FD5-C733-61A2-A9D1-DFC65D4C9BB4}"/>
+          </ac:cxnSpMkLst>
+        </pc:cxnChg>
+        <pc:cxnChg chg="add del mod">
+          <ac:chgData name="Marc Lichtman" userId="bade3a5b-be95-4aa6-b2d3-e917051786f3" providerId="ADAL" clId="{1E460084-488A-467B-8FF5-008E49F1C507}" dt="2023-01-27T20:50:58.102" v="71" actId="21"/>
+          <ac:cxnSpMkLst>
+            <pc:docMk/>
+            <pc:sldMk cId="2263444556" sldId="256"/>
+            <ac:cxnSpMk id="39" creationId="{AD4CE610-58E4-7341-E4DB-09E3B1BE4215}"/>
+          </ac:cxnSpMkLst>
+        </pc:cxnChg>
+        <pc:cxnChg chg="add del mod">
+          <ac:chgData name="Marc Lichtman" userId="bade3a5b-be95-4aa6-b2d3-e917051786f3" providerId="ADAL" clId="{1E460084-488A-467B-8FF5-008E49F1C507}" dt="2023-01-27T20:50:58.102" v="71" actId="21"/>
+          <ac:cxnSpMkLst>
+            <pc:docMk/>
+            <pc:sldMk cId="2263444556" sldId="256"/>
+            <ac:cxnSpMk id="40" creationId="{04DA0825-8B27-D1CE-B9F1-C7B894B07466}"/>
+          </ac:cxnSpMkLst>
+        </pc:cxnChg>
+        <pc:cxnChg chg="add del mod">
+          <ac:chgData name="Marc Lichtman" userId="bade3a5b-be95-4aa6-b2d3-e917051786f3" providerId="ADAL" clId="{1E460084-488A-467B-8FF5-008E49F1C507}" dt="2023-01-27T20:50:58.102" v="71" actId="21"/>
+          <ac:cxnSpMkLst>
+            <pc:docMk/>
+            <pc:sldMk cId="2263444556" sldId="256"/>
+            <ac:cxnSpMk id="41" creationId="{E21F46CD-A131-7FA9-59DA-A4673103B612}"/>
+          </ac:cxnSpMkLst>
+        </pc:cxnChg>
+        <pc:cxnChg chg="add del mod">
+          <ac:chgData name="Marc Lichtman" userId="bade3a5b-be95-4aa6-b2d3-e917051786f3" providerId="ADAL" clId="{1E460084-488A-467B-8FF5-008E49F1C507}" dt="2023-01-27T20:50:58.102" v="71" actId="21"/>
+          <ac:cxnSpMkLst>
+            <pc:docMk/>
+            <pc:sldMk cId="2263444556" sldId="256"/>
+            <ac:cxnSpMk id="42" creationId="{C44A9394-28A2-C738-8DCD-EF943F185A86}"/>
+          </ac:cxnSpMkLst>
+        </pc:cxnChg>
+        <pc:cxnChg chg="add mod">
+          <ac:chgData name="Marc Lichtman" userId="bade3a5b-be95-4aa6-b2d3-e917051786f3" providerId="ADAL" clId="{1E460084-488A-467B-8FF5-008E49F1C507}" dt="2023-01-27T20:51:06.282" v="89" actId="1038"/>
+          <ac:cxnSpMkLst>
+            <pc:docMk/>
+            <pc:sldMk cId="2263444556" sldId="256"/>
+            <ac:cxnSpMk id="53" creationId="{583485B2-94B6-96E9-6522-2178538CB4B5}"/>
+          </ac:cxnSpMkLst>
+        </pc:cxnChg>
+        <pc:cxnChg chg="add mod">
+          <ac:chgData name="Marc Lichtman" userId="bade3a5b-be95-4aa6-b2d3-e917051786f3" providerId="ADAL" clId="{1E460084-488A-467B-8FF5-008E49F1C507}" dt="2023-01-27T20:51:06.282" v="89" actId="1038"/>
+          <ac:cxnSpMkLst>
+            <pc:docMk/>
+            <pc:sldMk cId="2263444556" sldId="256"/>
+            <ac:cxnSpMk id="54" creationId="{E9BC11FA-C8A0-AF52-8748-243C6F61FF42}"/>
+          </ac:cxnSpMkLst>
+        </pc:cxnChg>
+        <pc:cxnChg chg="add mod">
+          <ac:chgData name="Marc Lichtman" userId="bade3a5b-be95-4aa6-b2d3-e917051786f3" providerId="ADAL" clId="{1E460084-488A-467B-8FF5-008E49F1C507}" dt="2023-01-27T20:51:06.282" v="89" actId="1038"/>
+          <ac:cxnSpMkLst>
+            <pc:docMk/>
+            <pc:sldMk cId="2263444556" sldId="256"/>
+            <ac:cxnSpMk id="55" creationId="{B29DE207-6F87-7389-D36C-0740209D33BE}"/>
+          </ac:cxnSpMkLst>
+        </pc:cxnChg>
+        <pc:cxnChg chg="add mod">
+          <ac:chgData name="Marc Lichtman" userId="bade3a5b-be95-4aa6-b2d3-e917051786f3" providerId="ADAL" clId="{1E460084-488A-467B-8FF5-008E49F1C507}" dt="2023-01-27T20:51:06.282" v="89" actId="1038"/>
+          <ac:cxnSpMkLst>
+            <pc:docMk/>
+            <pc:sldMk cId="2263444556" sldId="256"/>
+            <ac:cxnSpMk id="56" creationId="{642DB7BC-5498-7C62-3B2F-C8B00567765C}"/>
+          </ac:cxnSpMkLst>
+        </pc:cxnChg>
+        <pc:cxnChg chg="add mod">
+          <ac:chgData name="Marc Lichtman" userId="bade3a5b-be95-4aa6-b2d3-e917051786f3" providerId="ADAL" clId="{1E460084-488A-467B-8FF5-008E49F1C507}" dt="2023-01-27T20:51:06.282" v="89" actId="1038"/>
+          <ac:cxnSpMkLst>
+            <pc:docMk/>
+            <pc:sldMk cId="2263444556" sldId="256"/>
+            <ac:cxnSpMk id="57" creationId="{14D7096C-BDE8-0ECC-A565-562F5795280B}"/>
+          </ac:cxnSpMkLst>
+        </pc:cxnChg>
+        <pc:cxnChg chg="add mod">
+          <ac:chgData name="Marc Lichtman" userId="bade3a5b-be95-4aa6-b2d3-e917051786f3" providerId="ADAL" clId="{1E460084-488A-467B-8FF5-008E49F1C507}" dt="2023-01-27T20:51:06.282" v="89" actId="1038"/>
+          <ac:cxnSpMkLst>
+            <pc:docMk/>
+            <pc:sldMk cId="2263444556" sldId="256"/>
+            <ac:cxnSpMk id="58" creationId="{FEA65B82-B01E-850A-FA0F-4CA24E008AEA}"/>
+          </ac:cxnSpMkLst>
+        </pc:cxnChg>
       </pc:sldChg>
     </pc:docChg>
   </pc:docChgLst>
@@ -211,13 +672,7 @@
       </p:grpSpPr>
       <p:sp>
         <p:nvSpPr>
-          <p:cNvPr id="2" name="Title 1">
-            <a:extLst>
-              <a:ext uri="{FF2B5EF4-FFF2-40B4-BE49-F238E27FC236}">
-                <a16:creationId xmlns:a16="http://schemas.microsoft.com/office/drawing/2014/main" id="{EE25D837-552A-E69C-B5B1-EB9504674F0F}"/>
-              </a:ext>
-            </a:extLst>
-          </p:cNvPr>
+          <p:cNvPr id="2" name="Title 1"/>
           <p:cNvSpPr>
             <a:spLocks noGrp="1"/>
           </p:cNvSpPr>
@@ -227,15 +682,15 @@
         </p:nvSpPr>
         <p:spPr>
           <a:xfrm>
-            <a:off x="1524000" y="1122363"/>
-            <a:ext cx="9144000" cy="2387600"/>
+            <a:off x="1028700" y="703296"/>
+            <a:ext cx="6172200" cy="1496119"/>
           </a:xfrm>
         </p:spPr>
         <p:txBody>
           <a:bodyPr anchor="b"/>
           <a:lstStyle>
             <a:lvl1pPr algn="ctr">
-              <a:defRPr sz="6000"/>
+              <a:defRPr sz="3760"/>
             </a:lvl1pPr>
           </a:lstStyle>
           <a:p>
@@ -243,18 +698,13 @@
               <a:rPr lang="en-US"/>
               <a:t>Click to edit Master title style</a:t>
             </a:r>
-          </a:p>
-        </p:txBody>
-      </p:sp>
-      <p:sp>
-        <p:nvSpPr>
-          <p:cNvPr id="3" name="Subtitle 2">
-            <a:extLst>
-              <a:ext uri="{FF2B5EF4-FFF2-40B4-BE49-F238E27FC236}">
-                <a16:creationId xmlns:a16="http://schemas.microsoft.com/office/drawing/2014/main" id="{BEF00C75-2D10-5CD8-1D60-A6C70C81222A}"/>
-              </a:ext>
-            </a:extLst>
-          </p:cNvPr>
+            <a:endParaRPr lang="en-US" dirty="0"/>
+          </a:p>
+        </p:txBody>
+      </p:sp>
+      <p:sp>
+        <p:nvSpPr>
+          <p:cNvPr id="3" name="Subtitle 2"/>
           <p:cNvSpPr>
             <a:spLocks noGrp="1"/>
           </p:cNvSpPr>
@@ -264,8 +714,8 @@
         </p:nvSpPr>
         <p:spPr>
           <a:xfrm>
-            <a:off x="1524000" y="3602038"/>
-            <a:ext cx="9144000" cy="1655762"/>
+            <a:off x="1028700" y="2257111"/>
+            <a:ext cx="6172200" cy="1037534"/>
           </a:xfrm>
         </p:spPr>
         <p:txBody>
@@ -273,39 +723,39 @@
           <a:lstStyle>
             <a:lvl1pPr marL="0" indent="0" algn="ctr">
               <a:buNone/>
-              <a:defRPr sz="2400"/>
+              <a:defRPr sz="1504"/>
             </a:lvl1pPr>
-            <a:lvl2pPr marL="457200" indent="0" algn="ctr">
-              <a:buNone/>
-              <a:defRPr sz="2000"/>
+            <a:lvl2pPr marL="286482" indent="0" algn="ctr">
+              <a:buNone/>
+              <a:defRPr sz="1253"/>
             </a:lvl2pPr>
-            <a:lvl3pPr marL="914400" indent="0" algn="ctr">
-              <a:buNone/>
-              <a:defRPr sz="1800"/>
+            <a:lvl3pPr marL="572963" indent="0" algn="ctr">
+              <a:buNone/>
+              <a:defRPr sz="1128"/>
             </a:lvl3pPr>
-            <a:lvl4pPr marL="1371600" indent="0" algn="ctr">
-              <a:buNone/>
-              <a:defRPr sz="1600"/>
+            <a:lvl4pPr marL="859445" indent="0" algn="ctr">
+              <a:buNone/>
+              <a:defRPr sz="1003"/>
             </a:lvl4pPr>
-            <a:lvl5pPr marL="1828800" indent="0" algn="ctr">
-              <a:buNone/>
-              <a:defRPr sz="1600"/>
+            <a:lvl5pPr marL="1145926" indent="0" algn="ctr">
+              <a:buNone/>
+              <a:defRPr sz="1003"/>
             </a:lvl5pPr>
-            <a:lvl6pPr marL="2286000" indent="0" algn="ctr">
-              <a:buNone/>
-              <a:defRPr sz="1600"/>
+            <a:lvl6pPr marL="1432408" indent="0" algn="ctr">
+              <a:buNone/>
+              <a:defRPr sz="1003"/>
             </a:lvl6pPr>
-            <a:lvl7pPr marL="2743200" indent="0" algn="ctr">
-              <a:buNone/>
-              <a:defRPr sz="1600"/>
+            <a:lvl7pPr marL="1718889" indent="0" algn="ctr">
+              <a:buNone/>
+              <a:defRPr sz="1003"/>
             </a:lvl7pPr>
-            <a:lvl8pPr marL="3200400" indent="0" algn="ctr">
-              <a:buNone/>
-              <a:defRPr sz="1600"/>
+            <a:lvl8pPr marL="2005371" indent="0" algn="ctr">
+              <a:buNone/>
+              <a:defRPr sz="1003"/>
             </a:lvl8pPr>
-            <a:lvl9pPr marL="3657600" indent="0" algn="ctr">
-              <a:buNone/>
-              <a:defRPr sz="1600"/>
+            <a:lvl9pPr marL="2291852" indent="0" algn="ctr">
+              <a:buNone/>
+              <a:defRPr sz="1003"/>
             </a:lvl9pPr>
           </a:lstStyle>
           <a:p>
@@ -313,18 +763,13 @@
               <a:rPr lang="en-US"/>
               <a:t>Click to edit Master subtitle style</a:t>
             </a:r>
-          </a:p>
-        </p:txBody>
-      </p:sp>
-      <p:sp>
-        <p:nvSpPr>
-          <p:cNvPr id="4" name="Date Placeholder 3">
-            <a:extLst>
-              <a:ext uri="{FF2B5EF4-FFF2-40B4-BE49-F238E27FC236}">
-                <a16:creationId xmlns:a16="http://schemas.microsoft.com/office/drawing/2014/main" id="{F4158BB5-99A7-7AF4-6E54-AC0673992901}"/>
-              </a:ext>
-            </a:extLst>
-          </p:cNvPr>
+            <a:endParaRPr lang="en-US" dirty="0"/>
+          </a:p>
+        </p:txBody>
+      </p:sp>
+      <p:sp>
+        <p:nvSpPr>
+          <p:cNvPr id="4" name="Date Placeholder 3"/>
           <p:cNvSpPr>
             <a:spLocks noGrp="1"/>
           </p:cNvSpPr>
@@ -347,13 +792,7 @@
       </p:sp>
       <p:sp>
         <p:nvSpPr>
-          <p:cNvPr id="5" name="Footer Placeholder 4">
-            <a:extLst>
-              <a:ext uri="{FF2B5EF4-FFF2-40B4-BE49-F238E27FC236}">
-                <a16:creationId xmlns:a16="http://schemas.microsoft.com/office/drawing/2014/main" id="{CAFC34E0-16AE-F73C-6AF7-EDCD6555387C}"/>
-              </a:ext>
-            </a:extLst>
-          </p:cNvPr>
+          <p:cNvPr id="5" name="Footer Placeholder 4"/>
           <p:cNvSpPr>
             <a:spLocks noGrp="1"/>
           </p:cNvSpPr>
@@ -372,13 +811,7 @@
       </p:sp>
       <p:sp>
         <p:nvSpPr>
-          <p:cNvPr id="6" name="Slide Number Placeholder 5">
-            <a:extLst>
-              <a:ext uri="{FF2B5EF4-FFF2-40B4-BE49-F238E27FC236}">
-                <a16:creationId xmlns:a16="http://schemas.microsoft.com/office/drawing/2014/main" id="{62C6069B-C747-5757-3A45-6814ECAD51B8}"/>
-              </a:ext>
-            </a:extLst>
-          </p:cNvPr>
+          <p:cNvPr id="6" name="Slide Number Placeholder 5"/>
           <p:cNvSpPr>
             <a:spLocks noGrp="1"/>
           </p:cNvSpPr>
@@ -402,7 +835,7 @@
     </p:spTree>
     <p:extLst>
       <p:ext uri="{BB962C8B-B14F-4D97-AF65-F5344CB8AC3E}">
-        <p14:creationId xmlns:p14="http://schemas.microsoft.com/office/powerpoint/2010/main" val="3238626127"/>
+        <p14:creationId xmlns:p14="http://schemas.microsoft.com/office/powerpoint/2010/main" val="327433077"/>
       </p:ext>
     </p:extLst>
   </p:cSld>
@@ -431,13 +864,7 @@
       </p:grpSpPr>
       <p:sp>
         <p:nvSpPr>
-          <p:cNvPr id="2" name="Title 1">
-            <a:extLst>
-              <a:ext uri="{FF2B5EF4-FFF2-40B4-BE49-F238E27FC236}">
-                <a16:creationId xmlns:a16="http://schemas.microsoft.com/office/drawing/2014/main" id="{7D5B78E3-6F7B-64BC-C933-688D840BC154}"/>
-              </a:ext>
-            </a:extLst>
-          </p:cNvPr>
+          <p:cNvPr id="2" name="Title 1"/>
           <p:cNvSpPr>
             <a:spLocks noGrp="1"/>
           </p:cNvSpPr>
@@ -454,18 +881,13 @@
               <a:rPr lang="en-US"/>
               <a:t>Click to edit Master title style</a:t>
             </a:r>
-          </a:p>
-        </p:txBody>
-      </p:sp>
-      <p:sp>
-        <p:nvSpPr>
-          <p:cNvPr id="3" name="Vertical Text Placeholder 2">
-            <a:extLst>
-              <a:ext uri="{FF2B5EF4-FFF2-40B4-BE49-F238E27FC236}">
-                <a16:creationId xmlns:a16="http://schemas.microsoft.com/office/drawing/2014/main" id="{F6D8FEFD-1759-189F-5419-E5980AA2749D}"/>
-              </a:ext>
-            </a:extLst>
-          </p:cNvPr>
+            <a:endParaRPr lang="en-US" dirty="0"/>
+          </a:p>
+        </p:txBody>
+      </p:sp>
+      <p:sp>
+        <p:nvSpPr>
+          <p:cNvPr id="3" name="Vertical Text Placeholder 2"/>
           <p:cNvSpPr>
             <a:spLocks noGrp="1"/>
           </p:cNvSpPr>
@@ -511,18 +933,13 @@
               <a:rPr lang="en-US"/>
               <a:t>Fifth level</a:t>
             </a:r>
-          </a:p>
-        </p:txBody>
-      </p:sp>
-      <p:sp>
-        <p:nvSpPr>
-          <p:cNvPr id="4" name="Date Placeholder 3">
-            <a:extLst>
-              <a:ext uri="{FF2B5EF4-FFF2-40B4-BE49-F238E27FC236}">
-                <a16:creationId xmlns:a16="http://schemas.microsoft.com/office/drawing/2014/main" id="{D0350AA5-1465-1DB5-7155-DAE12E8DF537}"/>
-              </a:ext>
-            </a:extLst>
-          </p:cNvPr>
+            <a:endParaRPr lang="en-US" dirty="0"/>
+          </a:p>
+        </p:txBody>
+      </p:sp>
+      <p:sp>
+        <p:nvSpPr>
+          <p:cNvPr id="4" name="Date Placeholder 3"/>
           <p:cNvSpPr>
             <a:spLocks noGrp="1"/>
           </p:cNvSpPr>
@@ -545,13 +962,7 @@
       </p:sp>
       <p:sp>
         <p:nvSpPr>
-          <p:cNvPr id="5" name="Footer Placeholder 4">
-            <a:extLst>
-              <a:ext uri="{FF2B5EF4-FFF2-40B4-BE49-F238E27FC236}">
-                <a16:creationId xmlns:a16="http://schemas.microsoft.com/office/drawing/2014/main" id="{F3FB21C2-F41C-C7CA-4D31-56BA16687D88}"/>
-              </a:ext>
-            </a:extLst>
-          </p:cNvPr>
+          <p:cNvPr id="5" name="Footer Placeholder 4"/>
           <p:cNvSpPr>
             <a:spLocks noGrp="1"/>
           </p:cNvSpPr>
@@ -570,13 +981,7 @@
       </p:sp>
       <p:sp>
         <p:nvSpPr>
-          <p:cNvPr id="6" name="Slide Number Placeholder 5">
-            <a:extLst>
-              <a:ext uri="{FF2B5EF4-FFF2-40B4-BE49-F238E27FC236}">
-                <a16:creationId xmlns:a16="http://schemas.microsoft.com/office/drawing/2014/main" id="{FA37C4AD-F0A4-8A27-4397-C211814CEF52}"/>
-              </a:ext>
-            </a:extLst>
-          </p:cNvPr>
+          <p:cNvPr id="6" name="Slide Number Placeholder 5"/>
           <p:cNvSpPr>
             <a:spLocks noGrp="1"/>
           </p:cNvSpPr>
@@ -600,7 +1005,7 @@
     </p:spTree>
     <p:extLst>
       <p:ext uri="{BB962C8B-B14F-4D97-AF65-F5344CB8AC3E}">
-        <p14:creationId xmlns:p14="http://schemas.microsoft.com/office/powerpoint/2010/main" val="3714181963"/>
+        <p14:creationId xmlns:p14="http://schemas.microsoft.com/office/powerpoint/2010/main" val="3621657665"/>
       </p:ext>
     </p:extLst>
   </p:cSld>
@@ -629,13 +1034,7 @@
       </p:grpSpPr>
       <p:sp>
         <p:nvSpPr>
-          <p:cNvPr id="2" name="Vertical Title 1">
-            <a:extLst>
-              <a:ext uri="{FF2B5EF4-FFF2-40B4-BE49-F238E27FC236}">
-                <a16:creationId xmlns:a16="http://schemas.microsoft.com/office/drawing/2014/main" id="{9DD82FA9-4318-DCC7-7A7A-D2B1CD7D613F}"/>
-              </a:ext>
-            </a:extLst>
-          </p:cNvPr>
+          <p:cNvPr id="2" name="Vertical Title 1"/>
           <p:cNvSpPr>
             <a:spLocks noGrp="1"/>
           </p:cNvSpPr>
@@ -645,8 +1044,8 @@
         </p:nvSpPr>
         <p:spPr>
           <a:xfrm>
-            <a:off x="8724900" y="365125"/>
-            <a:ext cx="2628900" cy="5811838"/>
+            <a:off x="5889307" y="228795"/>
+            <a:ext cx="1774508" cy="3641817"/>
           </a:xfrm>
         </p:spPr>
         <p:txBody>
@@ -657,18 +1056,13 @@
               <a:rPr lang="en-US"/>
               <a:t>Click to edit Master title style</a:t>
             </a:r>
-          </a:p>
-        </p:txBody>
-      </p:sp>
-      <p:sp>
-        <p:nvSpPr>
-          <p:cNvPr id="3" name="Vertical Text Placeholder 2">
-            <a:extLst>
-              <a:ext uri="{FF2B5EF4-FFF2-40B4-BE49-F238E27FC236}">
-                <a16:creationId xmlns:a16="http://schemas.microsoft.com/office/drawing/2014/main" id="{A6E9C73A-509F-31E2-D2E6-84F6EED266F0}"/>
-              </a:ext>
-            </a:extLst>
-          </p:cNvPr>
+            <a:endParaRPr lang="en-US" dirty="0"/>
+          </a:p>
+        </p:txBody>
+      </p:sp>
+      <p:sp>
+        <p:nvSpPr>
+          <p:cNvPr id="3" name="Vertical Text Placeholder 2"/>
           <p:cNvSpPr>
             <a:spLocks noGrp="1"/>
           </p:cNvSpPr>
@@ -678,8 +1072,8 @@
         </p:nvSpPr>
         <p:spPr>
           <a:xfrm>
-            <a:off x="838200" y="365125"/>
-            <a:ext cx="7734300" cy="5811838"/>
+            <a:off x="565785" y="228795"/>
+            <a:ext cx="5220653" cy="3641817"/>
           </a:xfrm>
         </p:spPr>
         <p:txBody>
@@ -719,18 +1113,13 @@
               <a:rPr lang="en-US"/>
               <a:t>Fifth level</a:t>
             </a:r>
-          </a:p>
-        </p:txBody>
-      </p:sp>
-      <p:sp>
-        <p:nvSpPr>
-          <p:cNvPr id="4" name="Date Placeholder 3">
-            <a:extLst>
-              <a:ext uri="{FF2B5EF4-FFF2-40B4-BE49-F238E27FC236}">
-                <a16:creationId xmlns:a16="http://schemas.microsoft.com/office/drawing/2014/main" id="{F34798C2-34E2-5AED-2651-DDE902900B15}"/>
-              </a:ext>
-            </a:extLst>
-          </p:cNvPr>
+            <a:endParaRPr lang="en-US" dirty="0"/>
+          </a:p>
+        </p:txBody>
+      </p:sp>
+      <p:sp>
+        <p:nvSpPr>
+          <p:cNvPr id="4" name="Date Placeholder 3"/>
           <p:cNvSpPr>
             <a:spLocks noGrp="1"/>
           </p:cNvSpPr>
@@ -753,13 +1142,7 @@
       </p:sp>
       <p:sp>
         <p:nvSpPr>
-          <p:cNvPr id="5" name="Footer Placeholder 4">
-            <a:extLst>
-              <a:ext uri="{FF2B5EF4-FFF2-40B4-BE49-F238E27FC236}">
-                <a16:creationId xmlns:a16="http://schemas.microsoft.com/office/drawing/2014/main" id="{95098FC0-98AC-DE82-9A85-BA1A8DD15C4C}"/>
-              </a:ext>
-            </a:extLst>
-          </p:cNvPr>
+          <p:cNvPr id="5" name="Footer Placeholder 4"/>
           <p:cNvSpPr>
             <a:spLocks noGrp="1"/>
           </p:cNvSpPr>
@@ -778,13 +1161,7 @@
       </p:sp>
       <p:sp>
         <p:nvSpPr>
-          <p:cNvPr id="6" name="Slide Number Placeholder 5">
-            <a:extLst>
-              <a:ext uri="{FF2B5EF4-FFF2-40B4-BE49-F238E27FC236}">
-                <a16:creationId xmlns:a16="http://schemas.microsoft.com/office/drawing/2014/main" id="{FBAB4EFC-632E-D787-813C-586419BA632E}"/>
-              </a:ext>
-            </a:extLst>
-          </p:cNvPr>
+          <p:cNvPr id="6" name="Slide Number Placeholder 5"/>
           <p:cNvSpPr>
             <a:spLocks noGrp="1"/>
           </p:cNvSpPr>
@@ -808,7 +1185,7 @@
     </p:spTree>
     <p:extLst>
       <p:ext uri="{BB962C8B-B14F-4D97-AF65-F5344CB8AC3E}">
-        <p14:creationId xmlns:p14="http://schemas.microsoft.com/office/powerpoint/2010/main" val="1595428053"/>
+        <p14:creationId xmlns:p14="http://schemas.microsoft.com/office/powerpoint/2010/main" val="3623187594"/>
       </p:ext>
     </p:extLst>
   </p:cSld>
@@ -837,13 +1214,7 @@
       </p:grpSpPr>
       <p:sp>
         <p:nvSpPr>
-          <p:cNvPr id="2" name="Title 1">
-            <a:extLst>
-              <a:ext uri="{FF2B5EF4-FFF2-40B4-BE49-F238E27FC236}">
-                <a16:creationId xmlns:a16="http://schemas.microsoft.com/office/drawing/2014/main" id="{CA0B5BAA-08FB-1D4F-8046-60B7E3414222}"/>
-              </a:ext>
-            </a:extLst>
-          </p:cNvPr>
+          <p:cNvPr id="2" name="Title 1"/>
           <p:cNvSpPr>
             <a:spLocks noGrp="1"/>
           </p:cNvSpPr>
@@ -860,18 +1231,13 @@
               <a:rPr lang="en-US"/>
               <a:t>Click to edit Master title style</a:t>
             </a:r>
-          </a:p>
-        </p:txBody>
-      </p:sp>
-      <p:sp>
-        <p:nvSpPr>
-          <p:cNvPr id="3" name="Content Placeholder 2">
-            <a:extLst>
-              <a:ext uri="{FF2B5EF4-FFF2-40B4-BE49-F238E27FC236}">
-                <a16:creationId xmlns:a16="http://schemas.microsoft.com/office/drawing/2014/main" id="{7ED7977A-969A-3871-BB06-482D97369DF5}"/>
-              </a:ext>
-            </a:extLst>
-          </p:cNvPr>
+            <a:endParaRPr lang="en-US" dirty="0"/>
+          </a:p>
+        </p:txBody>
+      </p:sp>
+      <p:sp>
+        <p:nvSpPr>
+          <p:cNvPr id="3" name="Content Placeholder 2"/>
           <p:cNvSpPr>
             <a:spLocks noGrp="1"/>
           </p:cNvSpPr>
@@ -917,18 +1283,13 @@
               <a:rPr lang="en-US"/>
               <a:t>Fifth level</a:t>
             </a:r>
-          </a:p>
-        </p:txBody>
-      </p:sp>
-      <p:sp>
-        <p:nvSpPr>
-          <p:cNvPr id="4" name="Date Placeholder 3">
-            <a:extLst>
-              <a:ext uri="{FF2B5EF4-FFF2-40B4-BE49-F238E27FC236}">
-                <a16:creationId xmlns:a16="http://schemas.microsoft.com/office/drawing/2014/main" id="{1B7C0742-5EB9-45FB-F1FA-3DD70CAF5841}"/>
-              </a:ext>
-            </a:extLst>
-          </p:cNvPr>
+            <a:endParaRPr lang="en-US" dirty="0"/>
+          </a:p>
+        </p:txBody>
+      </p:sp>
+      <p:sp>
+        <p:nvSpPr>
+          <p:cNvPr id="4" name="Date Placeholder 3"/>
           <p:cNvSpPr>
             <a:spLocks noGrp="1"/>
           </p:cNvSpPr>
@@ -951,13 +1312,7 @@
       </p:sp>
       <p:sp>
         <p:nvSpPr>
-          <p:cNvPr id="5" name="Footer Placeholder 4">
-            <a:extLst>
-              <a:ext uri="{FF2B5EF4-FFF2-40B4-BE49-F238E27FC236}">
-                <a16:creationId xmlns:a16="http://schemas.microsoft.com/office/drawing/2014/main" id="{C470F5C5-7C8A-0549-E65B-11C3302A2EE0}"/>
-              </a:ext>
-            </a:extLst>
-          </p:cNvPr>
+          <p:cNvPr id="5" name="Footer Placeholder 4"/>
           <p:cNvSpPr>
             <a:spLocks noGrp="1"/>
           </p:cNvSpPr>
@@ -976,13 +1331,7 @@
       </p:sp>
       <p:sp>
         <p:nvSpPr>
-          <p:cNvPr id="6" name="Slide Number Placeholder 5">
-            <a:extLst>
-              <a:ext uri="{FF2B5EF4-FFF2-40B4-BE49-F238E27FC236}">
-                <a16:creationId xmlns:a16="http://schemas.microsoft.com/office/drawing/2014/main" id="{C6905597-1953-6EEC-A0CC-7AD5D5032EEC}"/>
-              </a:ext>
-            </a:extLst>
-          </p:cNvPr>
+          <p:cNvPr id="6" name="Slide Number Placeholder 5"/>
           <p:cNvSpPr>
             <a:spLocks noGrp="1"/>
           </p:cNvSpPr>
@@ -1006,7 +1355,7 @@
     </p:spTree>
     <p:extLst>
       <p:ext uri="{BB962C8B-B14F-4D97-AF65-F5344CB8AC3E}">
-        <p14:creationId xmlns:p14="http://schemas.microsoft.com/office/powerpoint/2010/main" val="3056286447"/>
+        <p14:creationId xmlns:p14="http://schemas.microsoft.com/office/powerpoint/2010/main" val="1693711069"/>
       </p:ext>
     </p:extLst>
   </p:cSld>
@@ -1035,13 +1384,7 @@
       </p:grpSpPr>
       <p:sp>
         <p:nvSpPr>
-          <p:cNvPr id="2" name="Title 1">
-            <a:extLst>
-              <a:ext uri="{FF2B5EF4-FFF2-40B4-BE49-F238E27FC236}">
-                <a16:creationId xmlns:a16="http://schemas.microsoft.com/office/drawing/2014/main" id="{5EDCEBFD-2EB7-2DE6-386F-51A1B9C0DE80}"/>
-              </a:ext>
-            </a:extLst>
-          </p:cNvPr>
+          <p:cNvPr id="2" name="Title 1"/>
           <p:cNvSpPr>
             <a:spLocks noGrp="1"/>
           </p:cNvSpPr>
@@ -1051,15 +1394,15 @@
         </p:nvSpPr>
         <p:spPr>
           <a:xfrm>
-            <a:off x="831850" y="1709738"/>
-            <a:ext cx="10515600" cy="2852737"/>
+            <a:off x="561499" y="1071357"/>
+            <a:ext cx="7098030" cy="1787583"/>
           </a:xfrm>
         </p:spPr>
         <p:txBody>
           <a:bodyPr anchor="b"/>
           <a:lstStyle>
             <a:lvl1pPr>
-              <a:defRPr sz="6000"/>
+              <a:defRPr sz="3760"/>
             </a:lvl1pPr>
           </a:lstStyle>
           <a:p>
@@ -1067,18 +1410,13 @@
               <a:rPr lang="en-US"/>
               <a:t>Click to edit Master title style</a:t>
             </a:r>
-          </a:p>
-        </p:txBody>
-      </p:sp>
-      <p:sp>
-        <p:nvSpPr>
-          <p:cNvPr id="3" name="Text Placeholder 2">
-            <a:extLst>
-              <a:ext uri="{FF2B5EF4-FFF2-40B4-BE49-F238E27FC236}">
-                <a16:creationId xmlns:a16="http://schemas.microsoft.com/office/drawing/2014/main" id="{C3AA2A3E-A8B8-46E1-1348-ACAD61FFC772}"/>
-              </a:ext>
-            </a:extLst>
-          </p:cNvPr>
+            <a:endParaRPr lang="en-US" dirty="0"/>
+          </a:p>
+        </p:txBody>
+      </p:sp>
+      <p:sp>
+        <p:nvSpPr>
+          <p:cNvPr id="3" name="Text Placeholder 2"/>
           <p:cNvSpPr>
             <a:spLocks noGrp="1"/>
           </p:cNvSpPr>
@@ -1088,8 +1426,8 @@
         </p:nvSpPr>
         <p:spPr>
           <a:xfrm>
-            <a:off x="831850" y="4589463"/>
-            <a:ext cx="10515600" cy="1500187"/>
+            <a:off x="561499" y="2875852"/>
+            <a:ext cx="7098030" cy="940048"/>
           </a:xfrm>
         </p:spPr>
         <p:txBody>
@@ -1097,7 +1435,7 @@
           <a:lstStyle>
             <a:lvl1pPr marL="0" indent="0">
               <a:buNone/>
-              <a:defRPr sz="2400">
+              <a:defRPr sz="1504">
                 <a:solidFill>
                   <a:schemeClr val="tx1">
                     <a:tint val="75000"/>
@@ -1105,9 +1443,9 @@
                 </a:solidFill>
               </a:defRPr>
             </a:lvl1pPr>
-            <a:lvl2pPr marL="457200" indent="0">
-              <a:buNone/>
-              <a:defRPr sz="2000">
+            <a:lvl2pPr marL="286482" indent="0">
+              <a:buNone/>
+              <a:defRPr sz="1253">
                 <a:solidFill>
                   <a:schemeClr val="tx1">
                     <a:tint val="75000"/>
@@ -1115,9 +1453,9 @@
                 </a:solidFill>
               </a:defRPr>
             </a:lvl2pPr>
-            <a:lvl3pPr marL="914400" indent="0">
-              <a:buNone/>
-              <a:defRPr sz="1800">
+            <a:lvl3pPr marL="572963" indent="0">
+              <a:buNone/>
+              <a:defRPr sz="1128">
                 <a:solidFill>
                   <a:schemeClr val="tx1">
                     <a:tint val="75000"/>
@@ -1125,9 +1463,9 @@
                 </a:solidFill>
               </a:defRPr>
             </a:lvl3pPr>
-            <a:lvl4pPr marL="1371600" indent="0">
-              <a:buNone/>
-              <a:defRPr sz="1600">
+            <a:lvl4pPr marL="859445" indent="0">
+              <a:buNone/>
+              <a:defRPr sz="1003">
                 <a:solidFill>
                   <a:schemeClr val="tx1">
                     <a:tint val="75000"/>
@@ -1135,9 +1473,9 @@
                 </a:solidFill>
               </a:defRPr>
             </a:lvl4pPr>
-            <a:lvl5pPr marL="1828800" indent="0">
-              <a:buNone/>
-              <a:defRPr sz="1600">
+            <a:lvl5pPr marL="1145926" indent="0">
+              <a:buNone/>
+              <a:defRPr sz="1003">
                 <a:solidFill>
                   <a:schemeClr val="tx1">
                     <a:tint val="75000"/>
@@ -1145,9 +1483,9 @@
                 </a:solidFill>
               </a:defRPr>
             </a:lvl5pPr>
-            <a:lvl6pPr marL="2286000" indent="0">
-              <a:buNone/>
-              <a:defRPr sz="1600">
+            <a:lvl6pPr marL="1432408" indent="0">
+              <a:buNone/>
+              <a:defRPr sz="1003">
                 <a:solidFill>
                   <a:schemeClr val="tx1">
                     <a:tint val="75000"/>
@@ -1155,9 +1493,9 @@
                 </a:solidFill>
               </a:defRPr>
             </a:lvl6pPr>
-            <a:lvl7pPr marL="2743200" indent="0">
-              <a:buNone/>
-              <a:defRPr sz="1600">
+            <a:lvl7pPr marL="1718889" indent="0">
+              <a:buNone/>
+              <a:defRPr sz="1003">
                 <a:solidFill>
                   <a:schemeClr val="tx1">
                     <a:tint val="75000"/>
@@ -1165,9 +1503,9 @@
                 </a:solidFill>
               </a:defRPr>
             </a:lvl7pPr>
-            <a:lvl8pPr marL="3200400" indent="0">
-              <a:buNone/>
-              <a:defRPr sz="1600">
+            <a:lvl8pPr marL="2005371" indent="0">
+              <a:buNone/>
+              <a:defRPr sz="1003">
                 <a:solidFill>
                   <a:schemeClr val="tx1">
                     <a:tint val="75000"/>
@@ -1175,9 +1513,9 @@
                 </a:solidFill>
               </a:defRPr>
             </a:lvl8pPr>
-            <a:lvl9pPr marL="3657600" indent="0">
-              <a:buNone/>
-              <a:defRPr sz="1600">
+            <a:lvl9pPr marL="2291852" indent="0">
+              <a:buNone/>
+              <a:defRPr sz="1003">
                 <a:solidFill>
                   <a:schemeClr val="tx1">
                     <a:tint val="75000"/>
@@ -1197,13 +1535,7 @@
       </p:sp>
       <p:sp>
         <p:nvSpPr>
-          <p:cNvPr id="4" name="Date Placeholder 3">
-            <a:extLst>
-              <a:ext uri="{FF2B5EF4-FFF2-40B4-BE49-F238E27FC236}">
-                <a16:creationId xmlns:a16="http://schemas.microsoft.com/office/drawing/2014/main" id="{6AD8A8E8-3A44-F015-EB31-10D6625C0D77}"/>
-              </a:ext>
-            </a:extLst>
-          </p:cNvPr>
+          <p:cNvPr id="4" name="Date Placeholder 3"/>
           <p:cNvSpPr>
             <a:spLocks noGrp="1"/>
           </p:cNvSpPr>
@@ -1226,13 +1558,7 @@
       </p:sp>
       <p:sp>
         <p:nvSpPr>
-          <p:cNvPr id="5" name="Footer Placeholder 4">
-            <a:extLst>
-              <a:ext uri="{FF2B5EF4-FFF2-40B4-BE49-F238E27FC236}">
-                <a16:creationId xmlns:a16="http://schemas.microsoft.com/office/drawing/2014/main" id="{4D51FFFE-17E1-2430-5D4A-D10E09EEA62B}"/>
-              </a:ext>
-            </a:extLst>
-          </p:cNvPr>
+          <p:cNvPr id="5" name="Footer Placeholder 4"/>
           <p:cNvSpPr>
             <a:spLocks noGrp="1"/>
           </p:cNvSpPr>
@@ -1251,13 +1577,7 @@
       </p:sp>
       <p:sp>
         <p:nvSpPr>
-          <p:cNvPr id="6" name="Slide Number Placeholder 5">
-            <a:extLst>
-              <a:ext uri="{FF2B5EF4-FFF2-40B4-BE49-F238E27FC236}">
-                <a16:creationId xmlns:a16="http://schemas.microsoft.com/office/drawing/2014/main" id="{05925D58-7345-3FBB-3CD3-75FA637DBDD9}"/>
-              </a:ext>
-            </a:extLst>
-          </p:cNvPr>
+          <p:cNvPr id="6" name="Slide Number Placeholder 5"/>
           <p:cNvSpPr>
             <a:spLocks noGrp="1"/>
           </p:cNvSpPr>
@@ -1281,7 +1601,7 @@
     </p:spTree>
     <p:extLst>
       <p:ext uri="{BB962C8B-B14F-4D97-AF65-F5344CB8AC3E}">
-        <p14:creationId xmlns:p14="http://schemas.microsoft.com/office/powerpoint/2010/main" val="1391084874"/>
+        <p14:creationId xmlns:p14="http://schemas.microsoft.com/office/powerpoint/2010/main" val="2775190515"/>
       </p:ext>
     </p:extLst>
   </p:cSld>
@@ -1310,13 +1630,7 @@
       </p:grpSpPr>
       <p:sp>
         <p:nvSpPr>
-          <p:cNvPr id="2" name="Title 1">
-            <a:extLst>
-              <a:ext uri="{FF2B5EF4-FFF2-40B4-BE49-F238E27FC236}">
-                <a16:creationId xmlns:a16="http://schemas.microsoft.com/office/drawing/2014/main" id="{D4746DED-E395-6830-0D5E-8361EBA6538C}"/>
-              </a:ext>
-            </a:extLst>
-          </p:cNvPr>
+          <p:cNvPr id="2" name="Title 1"/>
           <p:cNvSpPr>
             <a:spLocks noGrp="1"/>
           </p:cNvSpPr>
@@ -1333,18 +1647,13 @@
               <a:rPr lang="en-US"/>
               <a:t>Click to edit Master title style</a:t>
             </a:r>
-          </a:p>
-        </p:txBody>
-      </p:sp>
-      <p:sp>
-        <p:nvSpPr>
-          <p:cNvPr id="3" name="Content Placeholder 2">
-            <a:extLst>
-              <a:ext uri="{FF2B5EF4-FFF2-40B4-BE49-F238E27FC236}">
-                <a16:creationId xmlns:a16="http://schemas.microsoft.com/office/drawing/2014/main" id="{D64A07E8-D800-3F43-A5E0-2EA6690C0EBA}"/>
-              </a:ext>
-            </a:extLst>
-          </p:cNvPr>
+            <a:endParaRPr lang="en-US" dirty="0"/>
+          </a:p>
+        </p:txBody>
+      </p:sp>
+      <p:sp>
+        <p:nvSpPr>
+          <p:cNvPr id="3" name="Content Placeholder 2"/>
           <p:cNvSpPr>
             <a:spLocks noGrp="1"/>
           </p:cNvSpPr>
@@ -1354,8 +1663,8 @@
         </p:nvSpPr>
         <p:spPr>
           <a:xfrm>
-            <a:off x="838200" y="1825625"/>
-            <a:ext cx="5181600" cy="4351338"/>
+            <a:off x="565785" y="1143974"/>
+            <a:ext cx="3497580" cy="2726637"/>
           </a:xfrm>
         </p:spPr>
         <p:txBody>
@@ -1395,18 +1704,13 @@
               <a:rPr lang="en-US"/>
               <a:t>Fifth level</a:t>
             </a:r>
-          </a:p>
-        </p:txBody>
-      </p:sp>
-      <p:sp>
-        <p:nvSpPr>
-          <p:cNvPr id="4" name="Content Placeholder 3">
-            <a:extLst>
-              <a:ext uri="{FF2B5EF4-FFF2-40B4-BE49-F238E27FC236}">
-                <a16:creationId xmlns:a16="http://schemas.microsoft.com/office/drawing/2014/main" id="{55EDA853-79E9-F324-3A6E-202287A11A70}"/>
-              </a:ext>
-            </a:extLst>
-          </p:cNvPr>
+            <a:endParaRPr lang="en-US" dirty="0"/>
+          </a:p>
+        </p:txBody>
+      </p:sp>
+      <p:sp>
+        <p:nvSpPr>
+          <p:cNvPr id="4" name="Content Placeholder 3"/>
           <p:cNvSpPr>
             <a:spLocks noGrp="1"/>
           </p:cNvSpPr>
@@ -1416,8 +1720,8 @@
         </p:nvSpPr>
         <p:spPr>
           <a:xfrm>
-            <a:off x="6172200" y="1825625"/>
-            <a:ext cx="5181600" cy="4351338"/>
+            <a:off x="4166235" y="1143974"/>
+            <a:ext cx="3497580" cy="2726637"/>
           </a:xfrm>
         </p:spPr>
         <p:txBody>
@@ -1457,18 +1761,13 @@
               <a:rPr lang="en-US"/>
               <a:t>Fifth level</a:t>
             </a:r>
-          </a:p>
-        </p:txBody>
-      </p:sp>
-      <p:sp>
-        <p:nvSpPr>
-          <p:cNvPr id="5" name="Date Placeholder 4">
-            <a:extLst>
-              <a:ext uri="{FF2B5EF4-FFF2-40B4-BE49-F238E27FC236}">
-                <a16:creationId xmlns:a16="http://schemas.microsoft.com/office/drawing/2014/main" id="{EAED75AE-55F9-9BE6-2699-D3ED95077527}"/>
-              </a:ext>
-            </a:extLst>
-          </p:cNvPr>
+            <a:endParaRPr lang="en-US" dirty="0"/>
+          </a:p>
+        </p:txBody>
+      </p:sp>
+      <p:sp>
+        <p:nvSpPr>
+          <p:cNvPr id="5" name="Date Placeholder 4"/>
           <p:cNvSpPr>
             <a:spLocks noGrp="1"/>
           </p:cNvSpPr>
@@ -1491,13 +1790,7 @@
       </p:sp>
       <p:sp>
         <p:nvSpPr>
-          <p:cNvPr id="6" name="Footer Placeholder 5">
-            <a:extLst>
-              <a:ext uri="{FF2B5EF4-FFF2-40B4-BE49-F238E27FC236}">
-                <a16:creationId xmlns:a16="http://schemas.microsoft.com/office/drawing/2014/main" id="{6F51F276-1627-1A20-4912-38486A8A8725}"/>
-              </a:ext>
-            </a:extLst>
-          </p:cNvPr>
+          <p:cNvPr id="6" name="Footer Placeholder 5"/>
           <p:cNvSpPr>
             <a:spLocks noGrp="1"/>
           </p:cNvSpPr>
@@ -1516,13 +1809,7 @@
       </p:sp>
       <p:sp>
         <p:nvSpPr>
-          <p:cNvPr id="7" name="Slide Number Placeholder 6">
-            <a:extLst>
-              <a:ext uri="{FF2B5EF4-FFF2-40B4-BE49-F238E27FC236}">
-                <a16:creationId xmlns:a16="http://schemas.microsoft.com/office/drawing/2014/main" id="{D23F8693-327A-BD27-8FDA-35BE7BEA065D}"/>
-              </a:ext>
-            </a:extLst>
-          </p:cNvPr>
+          <p:cNvPr id="7" name="Slide Number Placeholder 6"/>
           <p:cNvSpPr>
             <a:spLocks noGrp="1"/>
           </p:cNvSpPr>
@@ -1546,7 +1833,7 @@
     </p:spTree>
     <p:extLst>
       <p:ext uri="{BB962C8B-B14F-4D97-AF65-F5344CB8AC3E}">
-        <p14:creationId xmlns:p14="http://schemas.microsoft.com/office/powerpoint/2010/main" val="3788980765"/>
+        <p14:creationId xmlns:p14="http://schemas.microsoft.com/office/powerpoint/2010/main" val="3340228958"/>
       </p:ext>
     </p:extLst>
   </p:cSld>
@@ -1575,13 +1862,7 @@
       </p:grpSpPr>
       <p:sp>
         <p:nvSpPr>
-          <p:cNvPr id="2" name="Title 1">
-            <a:extLst>
-              <a:ext uri="{FF2B5EF4-FFF2-40B4-BE49-F238E27FC236}">
-                <a16:creationId xmlns:a16="http://schemas.microsoft.com/office/drawing/2014/main" id="{E6014C67-17C5-4621-A384-51B6B7FEC902}"/>
-              </a:ext>
-            </a:extLst>
-          </p:cNvPr>
+          <p:cNvPr id="2" name="Title 1"/>
           <p:cNvSpPr>
             <a:spLocks noGrp="1"/>
           </p:cNvSpPr>
@@ -1591,8 +1872,8 @@
         </p:nvSpPr>
         <p:spPr>
           <a:xfrm>
-            <a:off x="839788" y="365125"/>
-            <a:ext cx="10515600" cy="1325563"/>
+            <a:off x="566857" y="228795"/>
+            <a:ext cx="7098030" cy="830625"/>
           </a:xfrm>
         </p:spPr>
         <p:txBody>
@@ -1603,18 +1884,13 @@
               <a:rPr lang="en-US"/>
               <a:t>Click to edit Master title style</a:t>
             </a:r>
-          </a:p>
-        </p:txBody>
-      </p:sp>
-      <p:sp>
-        <p:nvSpPr>
-          <p:cNvPr id="3" name="Text Placeholder 2">
-            <a:extLst>
-              <a:ext uri="{FF2B5EF4-FFF2-40B4-BE49-F238E27FC236}">
-                <a16:creationId xmlns:a16="http://schemas.microsoft.com/office/drawing/2014/main" id="{5050D9A1-A87A-AB34-F631-CE2DE26F910F}"/>
-              </a:ext>
-            </a:extLst>
-          </p:cNvPr>
+            <a:endParaRPr lang="en-US" dirty="0"/>
+          </a:p>
+        </p:txBody>
+      </p:sp>
+      <p:sp>
+        <p:nvSpPr>
+          <p:cNvPr id="3" name="Text Placeholder 2"/>
           <p:cNvSpPr>
             <a:spLocks noGrp="1"/>
           </p:cNvSpPr>
@@ -1624,8 +1900,8 @@
         </p:nvSpPr>
         <p:spPr>
           <a:xfrm>
-            <a:off x="839788" y="1681163"/>
-            <a:ext cx="5157787" cy="823912"/>
+            <a:off x="566857" y="1053451"/>
+            <a:ext cx="3481506" cy="516280"/>
           </a:xfrm>
         </p:spPr>
         <p:txBody>
@@ -1633,39 +1909,39 @@
           <a:lstStyle>
             <a:lvl1pPr marL="0" indent="0">
               <a:buNone/>
-              <a:defRPr sz="2400" b="1"/>
+              <a:defRPr sz="1504" b="1"/>
             </a:lvl1pPr>
-            <a:lvl2pPr marL="457200" indent="0">
-              <a:buNone/>
-              <a:defRPr sz="2000" b="1"/>
+            <a:lvl2pPr marL="286482" indent="0">
+              <a:buNone/>
+              <a:defRPr sz="1253" b="1"/>
             </a:lvl2pPr>
-            <a:lvl3pPr marL="914400" indent="0">
-              <a:buNone/>
-              <a:defRPr sz="1800" b="1"/>
+            <a:lvl3pPr marL="572963" indent="0">
+              <a:buNone/>
+              <a:defRPr sz="1128" b="1"/>
             </a:lvl3pPr>
-            <a:lvl4pPr marL="1371600" indent="0">
-              <a:buNone/>
-              <a:defRPr sz="1600" b="1"/>
+            <a:lvl4pPr marL="859445" indent="0">
+              <a:buNone/>
+              <a:defRPr sz="1003" b="1"/>
             </a:lvl4pPr>
-            <a:lvl5pPr marL="1828800" indent="0">
-              <a:buNone/>
-              <a:defRPr sz="1600" b="1"/>
+            <a:lvl5pPr marL="1145926" indent="0">
+              <a:buNone/>
+              <a:defRPr sz="1003" b="1"/>
             </a:lvl5pPr>
-            <a:lvl6pPr marL="2286000" indent="0">
-              <a:buNone/>
-              <a:defRPr sz="1600" b="1"/>
+            <a:lvl6pPr marL="1432408" indent="0">
+              <a:buNone/>
+              <a:defRPr sz="1003" b="1"/>
             </a:lvl6pPr>
-            <a:lvl7pPr marL="2743200" indent="0">
-              <a:buNone/>
-              <a:defRPr sz="1600" b="1"/>
+            <a:lvl7pPr marL="1718889" indent="0">
+              <a:buNone/>
+              <a:defRPr sz="1003" b="1"/>
             </a:lvl7pPr>
-            <a:lvl8pPr marL="3200400" indent="0">
-              <a:buNone/>
-              <a:defRPr sz="1600" b="1"/>
+            <a:lvl8pPr marL="2005371" indent="0">
+              <a:buNone/>
+              <a:defRPr sz="1003" b="1"/>
             </a:lvl8pPr>
-            <a:lvl9pPr marL="3657600" indent="0">
-              <a:buNone/>
-              <a:defRPr sz="1600" b="1"/>
+            <a:lvl9pPr marL="2291852" indent="0">
+              <a:buNone/>
+              <a:defRPr sz="1003" b="1"/>
             </a:lvl9pPr>
           </a:lstStyle>
           <a:p>
@@ -1679,13 +1955,7 @@
       </p:sp>
       <p:sp>
         <p:nvSpPr>
-          <p:cNvPr id="4" name="Content Placeholder 3">
-            <a:extLst>
-              <a:ext uri="{FF2B5EF4-FFF2-40B4-BE49-F238E27FC236}">
-                <a16:creationId xmlns:a16="http://schemas.microsoft.com/office/drawing/2014/main" id="{FA8BDE14-B332-4A42-E918-99082F3B62C7}"/>
-              </a:ext>
-            </a:extLst>
-          </p:cNvPr>
+          <p:cNvPr id="4" name="Content Placeholder 3"/>
           <p:cNvSpPr>
             <a:spLocks noGrp="1"/>
           </p:cNvSpPr>
@@ -1695,8 +1965,8 @@
         </p:nvSpPr>
         <p:spPr>
           <a:xfrm>
-            <a:off x="839788" y="2505075"/>
-            <a:ext cx="5157787" cy="3684588"/>
+            <a:off x="566857" y="1569731"/>
+            <a:ext cx="3481506" cy="2308838"/>
           </a:xfrm>
         </p:spPr>
         <p:txBody>
@@ -1736,18 +2006,13 @@
               <a:rPr lang="en-US"/>
               <a:t>Fifth level</a:t>
             </a:r>
-          </a:p>
-        </p:txBody>
-      </p:sp>
-      <p:sp>
-        <p:nvSpPr>
-          <p:cNvPr id="5" name="Text Placeholder 4">
-            <a:extLst>
-              <a:ext uri="{FF2B5EF4-FFF2-40B4-BE49-F238E27FC236}">
-                <a16:creationId xmlns:a16="http://schemas.microsoft.com/office/drawing/2014/main" id="{67CF0F6D-8B70-2867-2D26-8FA45D6D3440}"/>
-              </a:ext>
-            </a:extLst>
-          </p:cNvPr>
+            <a:endParaRPr lang="en-US" dirty="0"/>
+          </a:p>
+        </p:txBody>
+      </p:sp>
+      <p:sp>
+        <p:nvSpPr>
+          <p:cNvPr id="5" name="Text Placeholder 4"/>
           <p:cNvSpPr>
             <a:spLocks noGrp="1"/>
           </p:cNvSpPr>
@@ -1757,8 +2022,8 @@
         </p:nvSpPr>
         <p:spPr>
           <a:xfrm>
-            <a:off x="6172200" y="1681163"/>
-            <a:ext cx="5183188" cy="823912"/>
+            <a:off x="4166235" y="1053451"/>
+            <a:ext cx="3498652" cy="516280"/>
           </a:xfrm>
         </p:spPr>
         <p:txBody>
@@ -1766,39 +2031,39 @@
           <a:lstStyle>
             <a:lvl1pPr marL="0" indent="0">
               <a:buNone/>
-              <a:defRPr sz="2400" b="1"/>
+              <a:defRPr sz="1504" b="1"/>
             </a:lvl1pPr>
-            <a:lvl2pPr marL="457200" indent="0">
-              <a:buNone/>
-              <a:defRPr sz="2000" b="1"/>
+            <a:lvl2pPr marL="286482" indent="0">
+              <a:buNone/>
+              <a:defRPr sz="1253" b="1"/>
             </a:lvl2pPr>
-            <a:lvl3pPr marL="914400" indent="0">
-              <a:buNone/>
-              <a:defRPr sz="1800" b="1"/>
+            <a:lvl3pPr marL="572963" indent="0">
+              <a:buNone/>
+              <a:defRPr sz="1128" b="1"/>
             </a:lvl3pPr>
-            <a:lvl4pPr marL="1371600" indent="0">
-              <a:buNone/>
-              <a:defRPr sz="1600" b="1"/>
+            <a:lvl4pPr marL="859445" indent="0">
+              <a:buNone/>
+              <a:defRPr sz="1003" b="1"/>
             </a:lvl4pPr>
-            <a:lvl5pPr marL="1828800" indent="0">
-              <a:buNone/>
-              <a:defRPr sz="1600" b="1"/>
+            <a:lvl5pPr marL="1145926" indent="0">
+              <a:buNone/>
+              <a:defRPr sz="1003" b="1"/>
             </a:lvl5pPr>
-            <a:lvl6pPr marL="2286000" indent="0">
-              <a:buNone/>
-              <a:defRPr sz="1600" b="1"/>
+            <a:lvl6pPr marL="1432408" indent="0">
+              <a:buNone/>
+              <a:defRPr sz="1003" b="1"/>
             </a:lvl6pPr>
-            <a:lvl7pPr marL="2743200" indent="0">
-              <a:buNone/>
-              <a:defRPr sz="1600" b="1"/>
+            <a:lvl7pPr marL="1718889" indent="0">
+              <a:buNone/>
+              <a:defRPr sz="1003" b="1"/>
             </a:lvl7pPr>
-            <a:lvl8pPr marL="3200400" indent="0">
-              <a:buNone/>
-              <a:defRPr sz="1600" b="1"/>
+            <a:lvl8pPr marL="2005371" indent="0">
+              <a:buNone/>
+              <a:defRPr sz="1003" b="1"/>
             </a:lvl8pPr>
-            <a:lvl9pPr marL="3657600" indent="0">
-              <a:buNone/>
-              <a:defRPr sz="1600" b="1"/>
+            <a:lvl9pPr marL="2291852" indent="0">
+              <a:buNone/>
+              <a:defRPr sz="1003" b="1"/>
             </a:lvl9pPr>
           </a:lstStyle>
           <a:p>
@@ -1812,13 +2077,7 @@
       </p:sp>
       <p:sp>
         <p:nvSpPr>
-          <p:cNvPr id="6" name="Content Placeholder 5">
-            <a:extLst>
-              <a:ext uri="{FF2B5EF4-FFF2-40B4-BE49-F238E27FC236}">
-                <a16:creationId xmlns:a16="http://schemas.microsoft.com/office/drawing/2014/main" id="{3B1C4735-FEE3-C818-137A-320CAC36AFA0}"/>
-              </a:ext>
-            </a:extLst>
-          </p:cNvPr>
+          <p:cNvPr id="6" name="Content Placeholder 5"/>
           <p:cNvSpPr>
             <a:spLocks noGrp="1"/>
           </p:cNvSpPr>
@@ -1828,8 +2087,8 @@
         </p:nvSpPr>
         <p:spPr>
           <a:xfrm>
-            <a:off x="6172200" y="2505075"/>
-            <a:ext cx="5183188" cy="3684588"/>
+            <a:off x="4166235" y="1569731"/>
+            <a:ext cx="3498652" cy="2308838"/>
           </a:xfrm>
         </p:spPr>
         <p:txBody>
@@ -1869,18 +2128,13 @@
               <a:rPr lang="en-US"/>
               <a:t>Fifth level</a:t>
             </a:r>
-          </a:p>
-        </p:txBody>
-      </p:sp>
-      <p:sp>
-        <p:nvSpPr>
-          <p:cNvPr id="7" name="Date Placeholder 6">
-            <a:extLst>
-              <a:ext uri="{FF2B5EF4-FFF2-40B4-BE49-F238E27FC236}">
-                <a16:creationId xmlns:a16="http://schemas.microsoft.com/office/drawing/2014/main" id="{8A708C98-0F0C-9FE3-92DD-E10903D5F36C}"/>
-              </a:ext>
-            </a:extLst>
-          </p:cNvPr>
+            <a:endParaRPr lang="en-US" dirty="0"/>
+          </a:p>
+        </p:txBody>
+      </p:sp>
+      <p:sp>
+        <p:nvSpPr>
+          <p:cNvPr id="7" name="Date Placeholder 6"/>
           <p:cNvSpPr>
             <a:spLocks noGrp="1"/>
           </p:cNvSpPr>
@@ -1903,13 +2157,7 @@
       </p:sp>
       <p:sp>
         <p:nvSpPr>
-          <p:cNvPr id="8" name="Footer Placeholder 7">
-            <a:extLst>
-              <a:ext uri="{FF2B5EF4-FFF2-40B4-BE49-F238E27FC236}">
-                <a16:creationId xmlns:a16="http://schemas.microsoft.com/office/drawing/2014/main" id="{E3588B70-3338-B750-55B6-30242D27FA88}"/>
-              </a:ext>
-            </a:extLst>
-          </p:cNvPr>
+          <p:cNvPr id="8" name="Footer Placeholder 7"/>
           <p:cNvSpPr>
             <a:spLocks noGrp="1"/>
           </p:cNvSpPr>
@@ -1928,13 +2176,7 @@
       </p:sp>
       <p:sp>
         <p:nvSpPr>
-          <p:cNvPr id="9" name="Slide Number Placeholder 8">
-            <a:extLst>
-              <a:ext uri="{FF2B5EF4-FFF2-40B4-BE49-F238E27FC236}">
-                <a16:creationId xmlns:a16="http://schemas.microsoft.com/office/drawing/2014/main" id="{D3E4287C-42CC-F069-3301-BEDD47929823}"/>
-              </a:ext>
-            </a:extLst>
-          </p:cNvPr>
+          <p:cNvPr id="9" name="Slide Number Placeholder 8"/>
           <p:cNvSpPr>
             <a:spLocks noGrp="1"/>
           </p:cNvSpPr>
@@ -1958,7 +2200,7 @@
     </p:spTree>
     <p:extLst>
       <p:ext uri="{BB962C8B-B14F-4D97-AF65-F5344CB8AC3E}">
-        <p14:creationId xmlns:p14="http://schemas.microsoft.com/office/powerpoint/2010/main" val="1325648064"/>
+        <p14:creationId xmlns:p14="http://schemas.microsoft.com/office/powerpoint/2010/main" val="2194386116"/>
       </p:ext>
     </p:extLst>
   </p:cSld>
@@ -1987,13 +2229,7 @@
       </p:grpSpPr>
       <p:sp>
         <p:nvSpPr>
-          <p:cNvPr id="2" name="Title 1">
-            <a:extLst>
-              <a:ext uri="{FF2B5EF4-FFF2-40B4-BE49-F238E27FC236}">
-                <a16:creationId xmlns:a16="http://schemas.microsoft.com/office/drawing/2014/main" id="{AFC024BD-7A09-09DC-9077-355A80C12100}"/>
-              </a:ext>
-            </a:extLst>
-          </p:cNvPr>
+          <p:cNvPr id="2" name="Title 1"/>
           <p:cNvSpPr>
             <a:spLocks noGrp="1"/>
           </p:cNvSpPr>
@@ -2010,18 +2246,13 @@
               <a:rPr lang="en-US"/>
               <a:t>Click to edit Master title style</a:t>
             </a:r>
-          </a:p>
-        </p:txBody>
-      </p:sp>
-      <p:sp>
-        <p:nvSpPr>
-          <p:cNvPr id="3" name="Date Placeholder 2">
-            <a:extLst>
-              <a:ext uri="{FF2B5EF4-FFF2-40B4-BE49-F238E27FC236}">
-                <a16:creationId xmlns:a16="http://schemas.microsoft.com/office/drawing/2014/main" id="{296DB06E-F620-969C-3DC6-CFE1D211FA5D}"/>
-              </a:ext>
-            </a:extLst>
-          </p:cNvPr>
+            <a:endParaRPr lang="en-US" dirty="0"/>
+          </a:p>
+        </p:txBody>
+      </p:sp>
+      <p:sp>
+        <p:nvSpPr>
+          <p:cNvPr id="3" name="Date Placeholder 2"/>
           <p:cNvSpPr>
             <a:spLocks noGrp="1"/>
           </p:cNvSpPr>
@@ -2044,13 +2275,7 @@
       </p:sp>
       <p:sp>
         <p:nvSpPr>
-          <p:cNvPr id="4" name="Footer Placeholder 3">
-            <a:extLst>
-              <a:ext uri="{FF2B5EF4-FFF2-40B4-BE49-F238E27FC236}">
-                <a16:creationId xmlns:a16="http://schemas.microsoft.com/office/drawing/2014/main" id="{487BE622-316A-11E0-BA6F-2C06E7872572}"/>
-              </a:ext>
-            </a:extLst>
-          </p:cNvPr>
+          <p:cNvPr id="4" name="Footer Placeholder 3"/>
           <p:cNvSpPr>
             <a:spLocks noGrp="1"/>
           </p:cNvSpPr>
@@ -2069,13 +2294,7 @@
       </p:sp>
       <p:sp>
         <p:nvSpPr>
-          <p:cNvPr id="5" name="Slide Number Placeholder 4">
-            <a:extLst>
-              <a:ext uri="{FF2B5EF4-FFF2-40B4-BE49-F238E27FC236}">
-                <a16:creationId xmlns:a16="http://schemas.microsoft.com/office/drawing/2014/main" id="{A5BEC4F6-F296-4B93-D438-DF80C737426D}"/>
-              </a:ext>
-            </a:extLst>
-          </p:cNvPr>
+          <p:cNvPr id="5" name="Slide Number Placeholder 4"/>
           <p:cNvSpPr>
             <a:spLocks noGrp="1"/>
           </p:cNvSpPr>
@@ -2099,7 +2318,7 @@
     </p:spTree>
     <p:extLst>
       <p:ext uri="{BB962C8B-B14F-4D97-AF65-F5344CB8AC3E}">
-        <p14:creationId xmlns:p14="http://schemas.microsoft.com/office/powerpoint/2010/main" val="3852710698"/>
+        <p14:creationId xmlns:p14="http://schemas.microsoft.com/office/powerpoint/2010/main" val="2953190483"/>
       </p:ext>
     </p:extLst>
   </p:cSld>
@@ -2128,13 +2347,7 @@
       </p:grpSpPr>
       <p:sp>
         <p:nvSpPr>
-          <p:cNvPr id="2" name="Date Placeholder 1">
-            <a:extLst>
-              <a:ext uri="{FF2B5EF4-FFF2-40B4-BE49-F238E27FC236}">
-                <a16:creationId xmlns:a16="http://schemas.microsoft.com/office/drawing/2014/main" id="{EEA4AC33-F01B-3273-6965-4A9C08525A1A}"/>
-              </a:ext>
-            </a:extLst>
-          </p:cNvPr>
+          <p:cNvPr id="2" name="Date Placeholder 1"/>
           <p:cNvSpPr>
             <a:spLocks noGrp="1"/>
           </p:cNvSpPr>
@@ -2157,13 +2370,7 @@
       </p:sp>
       <p:sp>
         <p:nvSpPr>
-          <p:cNvPr id="3" name="Footer Placeholder 2">
-            <a:extLst>
-              <a:ext uri="{FF2B5EF4-FFF2-40B4-BE49-F238E27FC236}">
-                <a16:creationId xmlns:a16="http://schemas.microsoft.com/office/drawing/2014/main" id="{670E1706-F1B9-4E5D-4C6B-90C8629763BA}"/>
-              </a:ext>
-            </a:extLst>
-          </p:cNvPr>
+          <p:cNvPr id="3" name="Footer Placeholder 2"/>
           <p:cNvSpPr>
             <a:spLocks noGrp="1"/>
           </p:cNvSpPr>
@@ -2182,13 +2389,7 @@
       </p:sp>
       <p:sp>
         <p:nvSpPr>
-          <p:cNvPr id="4" name="Slide Number Placeholder 3">
-            <a:extLst>
-              <a:ext uri="{FF2B5EF4-FFF2-40B4-BE49-F238E27FC236}">
-                <a16:creationId xmlns:a16="http://schemas.microsoft.com/office/drawing/2014/main" id="{0AE09E6A-DC76-919D-2036-5C4622FACAE1}"/>
-              </a:ext>
-            </a:extLst>
-          </p:cNvPr>
+          <p:cNvPr id="4" name="Slide Number Placeholder 3"/>
           <p:cNvSpPr>
             <a:spLocks noGrp="1"/>
           </p:cNvSpPr>
@@ -2212,7 +2413,7 @@
     </p:spTree>
     <p:extLst>
       <p:ext uri="{BB962C8B-B14F-4D97-AF65-F5344CB8AC3E}">
-        <p14:creationId xmlns:p14="http://schemas.microsoft.com/office/powerpoint/2010/main" val="330432854"/>
+        <p14:creationId xmlns:p14="http://schemas.microsoft.com/office/powerpoint/2010/main" val="103271050"/>
       </p:ext>
     </p:extLst>
   </p:cSld>
@@ -2241,13 +2442,7 @@
       </p:grpSpPr>
       <p:sp>
         <p:nvSpPr>
-          <p:cNvPr id="2" name="Title 1">
-            <a:extLst>
-              <a:ext uri="{FF2B5EF4-FFF2-40B4-BE49-F238E27FC236}">
-                <a16:creationId xmlns:a16="http://schemas.microsoft.com/office/drawing/2014/main" id="{894635D8-2988-B9E7-CA2E-D8C50A8DE3F1}"/>
-              </a:ext>
-            </a:extLst>
-          </p:cNvPr>
+          <p:cNvPr id="2" name="Title 1"/>
           <p:cNvSpPr>
             <a:spLocks noGrp="1"/>
           </p:cNvSpPr>
@@ -2257,15 +2452,15 @@
         </p:nvSpPr>
         <p:spPr>
           <a:xfrm>
-            <a:off x="839788" y="457200"/>
-            <a:ext cx="3932237" cy="1600200"/>
+            <a:off x="566857" y="286491"/>
+            <a:ext cx="2654260" cy="1002718"/>
           </a:xfrm>
         </p:spPr>
         <p:txBody>
           <a:bodyPr anchor="b"/>
           <a:lstStyle>
             <a:lvl1pPr>
-              <a:defRPr sz="3200"/>
+              <a:defRPr sz="2005"/>
             </a:lvl1pPr>
           </a:lstStyle>
           <a:p>
@@ -2273,18 +2468,13 @@
               <a:rPr lang="en-US"/>
               <a:t>Click to edit Master title style</a:t>
             </a:r>
-          </a:p>
-        </p:txBody>
-      </p:sp>
-      <p:sp>
-        <p:nvSpPr>
-          <p:cNvPr id="3" name="Content Placeholder 2">
-            <a:extLst>
-              <a:ext uri="{FF2B5EF4-FFF2-40B4-BE49-F238E27FC236}">
-                <a16:creationId xmlns:a16="http://schemas.microsoft.com/office/drawing/2014/main" id="{109A8BE5-B2FC-E593-26C8-9256DF745FCC}"/>
-              </a:ext>
-            </a:extLst>
-          </p:cNvPr>
+            <a:endParaRPr lang="en-US" dirty="0"/>
+          </a:p>
+        </p:txBody>
+      </p:sp>
+      <p:sp>
+        <p:nvSpPr>
+          <p:cNvPr id="3" name="Content Placeholder 2"/>
           <p:cNvSpPr>
             <a:spLocks noGrp="1"/>
           </p:cNvSpPr>
@@ -2294,39 +2484,39 @@
         </p:nvSpPr>
         <p:spPr>
           <a:xfrm>
-            <a:off x="5183188" y="987425"/>
-            <a:ext cx="6172200" cy="4873625"/>
+            <a:off x="3498652" y="618741"/>
+            <a:ext cx="4166235" cy="3053913"/>
           </a:xfrm>
         </p:spPr>
         <p:txBody>
           <a:bodyPr/>
           <a:lstStyle>
             <a:lvl1pPr>
-              <a:defRPr sz="3200"/>
+              <a:defRPr sz="2005"/>
             </a:lvl1pPr>
             <a:lvl2pPr>
-              <a:defRPr sz="2800"/>
+              <a:defRPr sz="1754"/>
             </a:lvl2pPr>
             <a:lvl3pPr>
-              <a:defRPr sz="2400"/>
+              <a:defRPr sz="1504"/>
             </a:lvl3pPr>
             <a:lvl4pPr>
-              <a:defRPr sz="2000"/>
+              <a:defRPr sz="1253"/>
             </a:lvl4pPr>
             <a:lvl5pPr>
-              <a:defRPr sz="2000"/>
+              <a:defRPr sz="1253"/>
             </a:lvl5pPr>
             <a:lvl6pPr>
-              <a:defRPr sz="2000"/>
+              <a:defRPr sz="1253"/>
             </a:lvl6pPr>
             <a:lvl7pPr>
-              <a:defRPr sz="2000"/>
+              <a:defRPr sz="1253"/>
             </a:lvl7pPr>
             <a:lvl8pPr>
-              <a:defRPr sz="2000"/>
+              <a:defRPr sz="1253"/>
             </a:lvl8pPr>
             <a:lvl9pPr>
-              <a:defRPr sz="2000"/>
+              <a:defRPr sz="1253"/>
             </a:lvl9pPr>
           </a:lstStyle>
           <a:p>
@@ -2363,18 +2553,13 @@
               <a:rPr lang="en-US"/>
               <a:t>Fifth level</a:t>
             </a:r>
-          </a:p>
-        </p:txBody>
-      </p:sp>
-      <p:sp>
-        <p:nvSpPr>
-          <p:cNvPr id="4" name="Text Placeholder 3">
-            <a:extLst>
-              <a:ext uri="{FF2B5EF4-FFF2-40B4-BE49-F238E27FC236}">
-                <a16:creationId xmlns:a16="http://schemas.microsoft.com/office/drawing/2014/main" id="{EC87269B-475F-3FD0-F94B-11EC9885521B}"/>
-              </a:ext>
-            </a:extLst>
-          </p:cNvPr>
+            <a:endParaRPr lang="en-US" dirty="0"/>
+          </a:p>
+        </p:txBody>
+      </p:sp>
+      <p:sp>
+        <p:nvSpPr>
+          <p:cNvPr id="4" name="Text Placeholder 3"/>
           <p:cNvSpPr>
             <a:spLocks noGrp="1"/>
           </p:cNvSpPr>
@@ -2384,8 +2569,8 @@
         </p:nvSpPr>
         <p:spPr>
           <a:xfrm>
-            <a:off x="839788" y="2057400"/>
-            <a:ext cx="3932237" cy="3811588"/>
+            <a:off x="566857" y="1289209"/>
+            <a:ext cx="2654260" cy="2388419"/>
           </a:xfrm>
         </p:spPr>
         <p:txBody>
@@ -2393,39 +2578,39 @@
           <a:lstStyle>
             <a:lvl1pPr marL="0" indent="0">
               <a:buNone/>
-              <a:defRPr sz="1600"/>
+              <a:defRPr sz="1003"/>
             </a:lvl1pPr>
-            <a:lvl2pPr marL="457200" indent="0">
-              <a:buNone/>
-              <a:defRPr sz="1400"/>
+            <a:lvl2pPr marL="286482" indent="0">
+              <a:buNone/>
+              <a:defRPr sz="877"/>
             </a:lvl2pPr>
-            <a:lvl3pPr marL="914400" indent="0">
-              <a:buNone/>
-              <a:defRPr sz="1200"/>
+            <a:lvl3pPr marL="572963" indent="0">
+              <a:buNone/>
+              <a:defRPr sz="752"/>
             </a:lvl3pPr>
-            <a:lvl4pPr marL="1371600" indent="0">
-              <a:buNone/>
-              <a:defRPr sz="1000"/>
+            <a:lvl4pPr marL="859445" indent="0">
+              <a:buNone/>
+              <a:defRPr sz="627"/>
             </a:lvl4pPr>
-            <a:lvl5pPr marL="1828800" indent="0">
-              <a:buNone/>
-              <a:defRPr sz="1000"/>
+            <a:lvl5pPr marL="1145926" indent="0">
+              <a:buNone/>
+              <a:defRPr sz="627"/>
             </a:lvl5pPr>
-            <a:lvl6pPr marL="2286000" indent="0">
-              <a:buNone/>
-              <a:defRPr sz="1000"/>
+            <a:lvl6pPr marL="1432408" indent="0">
+              <a:buNone/>
+              <a:defRPr sz="627"/>
             </a:lvl6pPr>
-            <a:lvl7pPr marL="2743200" indent="0">
-              <a:buNone/>
-              <a:defRPr sz="1000"/>
+            <a:lvl7pPr marL="1718889" indent="0">
+              <a:buNone/>
+              <a:defRPr sz="627"/>
             </a:lvl7pPr>
-            <a:lvl8pPr marL="3200400" indent="0">
-              <a:buNone/>
-              <a:defRPr sz="1000"/>
+            <a:lvl8pPr marL="2005371" indent="0">
+              <a:buNone/>
+              <a:defRPr sz="627"/>
             </a:lvl8pPr>
-            <a:lvl9pPr marL="3657600" indent="0">
-              <a:buNone/>
-              <a:defRPr sz="1000"/>
+            <a:lvl9pPr marL="2291852" indent="0">
+              <a:buNone/>
+              <a:defRPr sz="627"/>
             </a:lvl9pPr>
           </a:lstStyle>
           <a:p>
@@ -2439,13 +2624,7 @@
       </p:sp>
       <p:sp>
         <p:nvSpPr>
-          <p:cNvPr id="5" name="Date Placeholder 4">
-            <a:extLst>
-              <a:ext uri="{FF2B5EF4-FFF2-40B4-BE49-F238E27FC236}">
-                <a16:creationId xmlns:a16="http://schemas.microsoft.com/office/drawing/2014/main" id="{EB45CDC2-BB0E-2B03-072F-106BC235B3A3}"/>
-              </a:ext>
-            </a:extLst>
-          </p:cNvPr>
+          <p:cNvPr id="5" name="Date Placeholder 4"/>
           <p:cNvSpPr>
             <a:spLocks noGrp="1"/>
           </p:cNvSpPr>
@@ -2468,13 +2647,7 @@
       </p:sp>
       <p:sp>
         <p:nvSpPr>
-          <p:cNvPr id="6" name="Footer Placeholder 5">
-            <a:extLst>
-              <a:ext uri="{FF2B5EF4-FFF2-40B4-BE49-F238E27FC236}">
-                <a16:creationId xmlns:a16="http://schemas.microsoft.com/office/drawing/2014/main" id="{6C545958-E973-AA02-A4DE-9778BAE25BA6}"/>
-              </a:ext>
-            </a:extLst>
-          </p:cNvPr>
+          <p:cNvPr id="6" name="Footer Placeholder 5"/>
           <p:cNvSpPr>
             <a:spLocks noGrp="1"/>
           </p:cNvSpPr>
@@ -2493,13 +2666,7 @@
       </p:sp>
       <p:sp>
         <p:nvSpPr>
-          <p:cNvPr id="7" name="Slide Number Placeholder 6">
-            <a:extLst>
-              <a:ext uri="{FF2B5EF4-FFF2-40B4-BE49-F238E27FC236}">
-                <a16:creationId xmlns:a16="http://schemas.microsoft.com/office/drawing/2014/main" id="{4A2948B4-C5A0-2421-1CAC-185E2778334D}"/>
-              </a:ext>
-            </a:extLst>
-          </p:cNvPr>
+          <p:cNvPr id="7" name="Slide Number Placeholder 6"/>
           <p:cNvSpPr>
             <a:spLocks noGrp="1"/>
           </p:cNvSpPr>
@@ -2523,7 +2690,7 @@
     </p:spTree>
     <p:extLst>
       <p:ext uri="{BB962C8B-B14F-4D97-AF65-F5344CB8AC3E}">
-        <p14:creationId xmlns:p14="http://schemas.microsoft.com/office/powerpoint/2010/main" val="3902481659"/>
+        <p14:creationId xmlns:p14="http://schemas.microsoft.com/office/powerpoint/2010/main" val="2037694234"/>
       </p:ext>
     </p:extLst>
   </p:cSld>
@@ -2552,13 +2719,7 @@
       </p:grpSpPr>
       <p:sp>
         <p:nvSpPr>
-          <p:cNvPr id="2" name="Title 1">
-            <a:extLst>
-              <a:ext uri="{FF2B5EF4-FFF2-40B4-BE49-F238E27FC236}">
-                <a16:creationId xmlns:a16="http://schemas.microsoft.com/office/drawing/2014/main" id="{C9DF2441-83AF-79E0-3D6A-726F887E2D12}"/>
-              </a:ext>
-            </a:extLst>
-          </p:cNvPr>
+          <p:cNvPr id="2" name="Title 1"/>
           <p:cNvSpPr>
             <a:spLocks noGrp="1"/>
           </p:cNvSpPr>
@@ -2568,15 +2729,15 @@
         </p:nvSpPr>
         <p:spPr>
           <a:xfrm>
-            <a:off x="839788" y="457200"/>
-            <a:ext cx="3932237" cy="1600200"/>
+            <a:off x="566857" y="286491"/>
+            <a:ext cx="2654260" cy="1002718"/>
           </a:xfrm>
         </p:spPr>
         <p:txBody>
           <a:bodyPr anchor="b"/>
           <a:lstStyle>
             <a:lvl1pPr>
-              <a:defRPr sz="3200"/>
+              <a:defRPr sz="2005"/>
             </a:lvl1pPr>
           </a:lstStyle>
           <a:p>
@@ -2584,20 +2745,15 @@
               <a:rPr lang="en-US"/>
               <a:t>Click to edit Master title style</a:t>
             </a:r>
-          </a:p>
-        </p:txBody>
-      </p:sp>
-      <p:sp>
-        <p:nvSpPr>
-          <p:cNvPr id="3" name="Picture Placeholder 2">
-            <a:extLst>
-              <a:ext uri="{FF2B5EF4-FFF2-40B4-BE49-F238E27FC236}">
-                <a16:creationId xmlns:a16="http://schemas.microsoft.com/office/drawing/2014/main" id="{E54E035D-7E82-5B92-E390-D1D38F365819}"/>
-              </a:ext>
-            </a:extLst>
-          </p:cNvPr>
-          <p:cNvSpPr>
-            <a:spLocks noGrp="1"/>
+            <a:endParaRPr lang="en-US" dirty="0"/>
+          </a:p>
+        </p:txBody>
+      </p:sp>
+      <p:sp>
+        <p:nvSpPr>
+          <p:cNvPr id="3" name="Picture Placeholder 2"/>
+          <p:cNvSpPr>
+            <a:spLocks noGrp="1" noChangeAspect="1"/>
           </p:cNvSpPr>
           <p:nvPr>
             <p:ph type="pic" idx="1"/>
@@ -2605,64 +2761,62 @@
         </p:nvSpPr>
         <p:spPr>
           <a:xfrm>
-            <a:off x="5183188" y="987425"/>
-            <a:ext cx="6172200" cy="4873625"/>
+            <a:off x="3498652" y="618741"/>
+            <a:ext cx="4166235" cy="3053913"/>
           </a:xfrm>
         </p:spPr>
         <p:txBody>
-          <a:bodyPr/>
+          <a:bodyPr anchor="t"/>
           <a:lstStyle>
             <a:lvl1pPr marL="0" indent="0">
               <a:buNone/>
-              <a:defRPr sz="3200"/>
+              <a:defRPr sz="2005"/>
             </a:lvl1pPr>
-            <a:lvl2pPr marL="457200" indent="0">
-              <a:buNone/>
-              <a:defRPr sz="2800"/>
+            <a:lvl2pPr marL="286482" indent="0">
+              <a:buNone/>
+              <a:defRPr sz="1754"/>
             </a:lvl2pPr>
-            <a:lvl3pPr marL="914400" indent="0">
-              <a:buNone/>
-              <a:defRPr sz="2400"/>
+            <a:lvl3pPr marL="572963" indent="0">
+              <a:buNone/>
+              <a:defRPr sz="1504"/>
             </a:lvl3pPr>
-            <a:lvl4pPr marL="1371600" indent="0">
-              <a:buNone/>
-              <a:defRPr sz="2000"/>
+            <a:lvl4pPr marL="859445" indent="0">
+              <a:buNone/>
+              <a:defRPr sz="1253"/>
             </a:lvl4pPr>
-            <a:lvl5pPr marL="1828800" indent="0">
-              <a:buNone/>
-              <a:defRPr sz="2000"/>
+            <a:lvl5pPr marL="1145926" indent="0">
+              <a:buNone/>
+              <a:defRPr sz="1253"/>
             </a:lvl5pPr>
-            <a:lvl6pPr marL="2286000" indent="0">
-              <a:buNone/>
-              <a:defRPr sz="2000"/>
+            <a:lvl6pPr marL="1432408" indent="0">
+              <a:buNone/>
+              <a:defRPr sz="1253"/>
             </a:lvl6pPr>
-            <a:lvl7pPr marL="2743200" indent="0">
-              <a:buNone/>
-              <a:defRPr sz="2000"/>
+            <a:lvl7pPr marL="1718889" indent="0">
+              <a:buNone/>
+              <a:defRPr sz="1253"/>
             </a:lvl7pPr>
-            <a:lvl8pPr marL="3200400" indent="0">
-              <a:buNone/>
-              <a:defRPr sz="2000"/>
+            <a:lvl8pPr marL="2005371" indent="0">
+              <a:buNone/>
+              <a:defRPr sz="1253"/>
             </a:lvl8pPr>
-            <a:lvl9pPr marL="3657600" indent="0">
-              <a:buNone/>
-              <a:defRPr sz="2000"/>
+            <a:lvl9pPr marL="2291852" indent="0">
+              <a:buNone/>
+              <a:defRPr sz="1253"/>
             </a:lvl9pPr>
           </a:lstStyle>
           <a:p>
-            <a:endParaRPr lang="en-US"/>
-          </a:p>
-        </p:txBody>
-      </p:sp>
-      <p:sp>
-        <p:nvSpPr>
-          <p:cNvPr id="4" name="Text Placeholder 3">
-            <a:extLst>
-              <a:ext uri="{FF2B5EF4-FFF2-40B4-BE49-F238E27FC236}">
-                <a16:creationId xmlns:a16="http://schemas.microsoft.com/office/drawing/2014/main" id="{D0E1819E-7A99-2177-FB7E-EC2844EE89D4}"/>
-              </a:ext>
-            </a:extLst>
-          </p:cNvPr>
+            <a:r>
+              <a:rPr lang="en-US"/>
+              <a:t>Click icon to add picture</a:t>
+            </a:r>
+            <a:endParaRPr lang="en-US" dirty="0"/>
+          </a:p>
+        </p:txBody>
+      </p:sp>
+      <p:sp>
+        <p:nvSpPr>
+          <p:cNvPr id="4" name="Text Placeholder 3"/>
           <p:cNvSpPr>
             <a:spLocks noGrp="1"/>
           </p:cNvSpPr>
@@ -2672,8 +2826,8 @@
         </p:nvSpPr>
         <p:spPr>
           <a:xfrm>
-            <a:off x="839788" y="2057400"/>
-            <a:ext cx="3932237" cy="3811588"/>
+            <a:off x="566857" y="1289209"/>
+            <a:ext cx="2654260" cy="2388419"/>
           </a:xfrm>
         </p:spPr>
         <p:txBody>
@@ -2681,39 +2835,39 @@
           <a:lstStyle>
             <a:lvl1pPr marL="0" indent="0">
               <a:buNone/>
-              <a:defRPr sz="1600"/>
+              <a:defRPr sz="1003"/>
             </a:lvl1pPr>
-            <a:lvl2pPr marL="457200" indent="0">
-              <a:buNone/>
-              <a:defRPr sz="1400"/>
+            <a:lvl2pPr marL="286482" indent="0">
+              <a:buNone/>
+              <a:defRPr sz="877"/>
             </a:lvl2pPr>
-            <a:lvl3pPr marL="914400" indent="0">
-              <a:buNone/>
-              <a:defRPr sz="1200"/>
+            <a:lvl3pPr marL="572963" indent="0">
+              <a:buNone/>
+              <a:defRPr sz="752"/>
             </a:lvl3pPr>
-            <a:lvl4pPr marL="1371600" indent="0">
-              <a:buNone/>
-              <a:defRPr sz="1000"/>
+            <a:lvl4pPr marL="859445" indent="0">
+              <a:buNone/>
+              <a:defRPr sz="627"/>
             </a:lvl4pPr>
-            <a:lvl5pPr marL="1828800" indent="0">
-              <a:buNone/>
-              <a:defRPr sz="1000"/>
+            <a:lvl5pPr marL="1145926" indent="0">
+              <a:buNone/>
+              <a:defRPr sz="627"/>
             </a:lvl5pPr>
-            <a:lvl6pPr marL="2286000" indent="0">
-              <a:buNone/>
-              <a:defRPr sz="1000"/>
+            <a:lvl6pPr marL="1432408" indent="0">
+              <a:buNone/>
+              <a:defRPr sz="627"/>
             </a:lvl6pPr>
-            <a:lvl7pPr marL="2743200" indent="0">
-              <a:buNone/>
-              <a:defRPr sz="1000"/>
+            <a:lvl7pPr marL="1718889" indent="0">
+              <a:buNone/>
+              <a:defRPr sz="627"/>
             </a:lvl7pPr>
-            <a:lvl8pPr marL="3200400" indent="0">
-              <a:buNone/>
-              <a:defRPr sz="1000"/>
+            <a:lvl8pPr marL="2005371" indent="0">
+              <a:buNone/>
+              <a:defRPr sz="627"/>
             </a:lvl8pPr>
-            <a:lvl9pPr marL="3657600" indent="0">
-              <a:buNone/>
-              <a:defRPr sz="1000"/>
+            <a:lvl9pPr marL="2291852" indent="0">
+              <a:buNone/>
+              <a:defRPr sz="627"/>
             </a:lvl9pPr>
           </a:lstStyle>
           <a:p>
@@ -2727,13 +2881,7 @@
       </p:sp>
       <p:sp>
         <p:nvSpPr>
-          <p:cNvPr id="5" name="Date Placeholder 4">
-            <a:extLst>
-              <a:ext uri="{FF2B5EF4-FFF2-40B4-BE49-F238E27FC236}">
-                <a16:creationId xmlns:a16="http://schemas.microsoft.com/office/drawing/2014/main" id="{C7363E5E-5F7A-024E-089C-15A8C21F82EA}"/>
-              </a:ext>
-            </a:extLst>
-          </p:cNvPr>
+          <p:cNvPr id="5" name="Date Placeholder 4"/>
           <p:cNvSpPr>
             <a:spLocks noGrp="1"/>
           </p:cNvSpPr>
@@ -2756,13 +2904,7 @@
       </p:sp>
       <p:sp>
         <p:nvSpPr>
-          <p:cNvPr id="6" name="Footer Placeholder 5">
-            <a:extLst>
-              <a:ext uri="{FF2B5EF4-FFF2-40B4-BE49-F238E27FC236}">
-                <a16:creationId xmlns:a16="http://schemas.microsoft.com/office/drawing/2014/main" id="{C085EC89-6E44-8AA6-064F-EFC88CE7F193}"/>
-              </a:ext>
-            </a:extLst>
-          </p:cNvPr>
+          <p:cNvPr id="6" name="Footer Placeholder 5"/>
           <p:cNvSpPr>
             <a:spLocks noGrp="1"/>
           </p:cNvSpPr>
@@ -2781,13 +2923,7 @@
       </p:sp>
       <p:sp>
         <p:nvSpPr>
-          <p:cNvPr id="7" name="Slide Number Placeholder 6">
-            <a:extLst>
-              <a:ext uri="{FF2B5EF4-FFF2-40B4-BE49-F238E27FC236}">
-                <a16:creationId xmlns:a16="http://schemas.microsoft.com/office/drawing/2014/main" id="{20B8DB35-2E15-0CAD-A0BB-687F4366A78A}"/>
-              </a:ext>
-            </a:extLst>
-          </p:cNvPr>
+          <p:cNvPr id="7" name="Slide Number Placeholder 6"/>
           <p:cNvSpPr>
             <a:spLocks noGrp="1"/>
           </p:cNvSpPr>
@@ -2811,7 +2947,7 @@
     </p:spTree>
     <p:extLst>
       <p:ext uri="{BB962C8B-B14F-4D97-AF65-F5344CB8AC3E}">
-        <p14:creationId xmlns:p14="http://schemas.microsoft.com/office/powerpoint/2010/main" val="2356705578"/>
+        <p14:creationId xmlns:p14="http://schemas.microsoft.com/office/powerpoint/2010/main" val="1953635174"/>
       </p:ext>
     </p:extLst>
   </p:cSld>
@@ -2845,13 +2981,7 @@
       </p:grpSpPr>
       <p:sp>
         <p:nvSpPr>
-          <p:cNvPr id="2" name="Title Placeholder 1">
-            <a:extLst>
-              <a:ext uri="{FF2B5EF4-FFF2-40B4-BE49-F238E27FC236}">
-                <a16:creationId xmlns:a16="http://schemas.microsoft.com/office/drawing/2014/main" id="{F3C8ABBC-6F10-6797-84F5-F1B01FE8268F}"/>
-              </a:ext>
-            </a:extLst>
-          </p:cNvPr>
+          <p:cNvPr id="2" name="Title Placeholder 1"/>
           <p:cNvSpPr>
             <a:spLocks noGrp="1"/>
           </p:cNvSpPr>
@@ -2861,8 +2991,8 @@
         </p:nvSpPr>
         <p:spPr>
           <a:xfrm>
-            <a:off x="838200" y="365125"/>
-            <a:ext cx="10515600" cy="1325563"/>
+            <a:off x="565785" y="228795"/>
+            <a:ext cx="7098030" cy="830625"/>
           </a:xfrm>
           <a:prstGeom prst="rect">
             <a:avLst/>
@@ -2878,18 +3008,13 @@
               <a:rPr lang="en-US"/>
               <a:t>Click to edit Master title style</a:t>
             </a:r>
-          </a:p>
-        </p:txBody>
-      </p:sp>
-      <p:sp>
-        <p:nvSpPr>
-          <p:cNvPr id="3" name="Text Placeholder 2">
-            <a:extLst>
-              <a:ext uri="{FF2B5EF4-FFF2-40B4-BE49-F238E27FC236}">
-                <a16:creationId xmlns:a16="http://schemas.microsoft.com/office/drawing/2014/main" id="{8E9F0CF9-0022-02AF-D885-2A8FEC372AF5}"/>
-              </a:ext>
-            </a:extLst>
-          </p:cNvPr>
+            <a:endParaRPr lang="en-US" dirty="0"/>
+          </a:p>
+        </p:txBody>
+      </p:sp>
+      <p:sp>
+        <p:nvSpPr>
+          <p:cNvPr id="3" name="Text Placeholder 2"/>
           <p:cNvSpPr>
             <a:spLocks noGrp="1"/>
           </p:cNvSpPr>
@@ -2899,8 +3024,8 @@
         </p:nvSpPr>
         <p:spPr>
           <a:xfrm>
-            <a:off x="838200" y="1825625"/>
-            <a:ext cx="10515600" cy="4351338"/>
+            <a:off x="565785" y="1143974"/>
+            <a:ext cx="7098030" cy="2726637"/>
           </a:xfrm>
           <a:prstGeom prst="rect">
             <a:avLst/>
@@ -2945,18 +3070,13 @@
               <a:rPr lang="en-US"/>
               <a:t>Fifth level</a:t>
             </a:r>
-          </a:p>
-        </p:txBody>
-      </p:sp>
-      <p:sp>
-        <p:nvSpPr>
-          <p:cNvPr id="4" name="Date Placeholder 3">
-            <a:extLst>
-              <a:ext uri="{FF2B5EF4-FFF2-40B4-BE49-F238E27FC236}">
-                <a16:creationId xmlns:a16="http://schemas.microsoft.com/office/drawing/2014/main" id="{3D0A0C5F-9814-85D1-42CC-053A52A750DB}"/>
-              </a:ext>
-            </a:extLst>
-          </p:cNvPr>
+            <a:endParaRPr lang="en-US" dirty="0"/>
+          </a:p>
+        </p:txBody>
+      </p:sp>
+      <p:sp>
+        <p:nvSpPr>
+          <p:cNvPr id="4" name="Date Placeholder 3"/>
           <p:cNvSpPr>
             <a:spLocks noGrp="1"/>
           </p:cNvSpPr>
@@ -2966,8 +3086,8 @@
         </p:nvSpPr>
         <p:spPr>
           <a:xfrm>
-            <a:off x="838200" y="6356350"/>
-            <a:ext cx="2743200" cy="365125"/>
+            <a:off x="565785" y="3983019"/>
+            <a:ext cx="1851660" cy="228795"/>
           </a:xfrm>
           <a:prstGeom prst="rect">
             <a:avLst/>
@@ -2977,7 +3097,7 @@
           <a:bodyPr vert="horz" lIns="91440" tIns="45720" rIns="91440" bIns="45720" rtlCol="0" anchor="ctr"/>
           <a:lstStyle>
             <a:lvl1pPr algn="l">
-              <a:defRPr sz="1200">
+              <a:defRPr sz="752">
                 <a:solidFill>
                   <a:schemeClr val="tx1">
                     <a:tint val="75000"/>
@@ -2997,13 +3117,7 @@
       </p:sp>
       <p:sp>
         <p:nvSpPr>
-          <p:cNvPr id="5" name="Footer Placeholder 4">
-            <a:extLst>
-              <a:ext uri="{FF2B5EF4-FFF2-40B4-BE49-F238E27FC236}">
-                <a16:creationId xmlns:a16="http://schemas.microsoft.com/office/drawing/2014/main" id="{F7445AFE-8D3F-CF7B-3233-D12F91E72501}"/>
-              </a:ext>
-            </a:extLst>
-          </p:cNvPr>
+          <p:cNvPr id="5" name="Footer Placeholder 4"/>
           <p:cNvSpPr>
             <a:spLocks noGrp="1"/>
           </p:cNvSpPr>
@@ -3013,8 +3127,8 @@
         </p:nvSpPr>
         <p:spPr>
           <a:xfrm>
-            <a:off x="4038600" y="6356350"/>
-            <a:ext cx="4114800" cy="365125"/>
+            <a:off x="2726055" y="3983019"/>
+            <a:ext cx="2777490" cy="228795"/>
           </a:xfrm>
           <a:prstGeom prst="rect">
             <a:avLst/>
@@ -3024,7 +3138,7 @@
           <a:bodyPr vert="horz" lIns="91440" tIns="45720" rIns="91440" bIns="45720" rtlCol="0" anchor="ctr"/>
           <a:lstStyle>
             <a:lvl1pPr algn="ctr">
-              <a:defRPr sz="1200">
+              <a:defRPr sz="752">
                 <a:solidFill>
                   <a:schemeClr val="tx1">
                     <a:tint val="75000"/>
@@ -3040,13 +3154,7 @@
       </p:sp>
       <p:sp>
         <p:nvSpPr>
-          <p:cNvPr id="6" name="Slide Number Placeholder 5">
-            <a:extLst>
-              <a:ext uri="{FF2B5EF4-FFF2-40B4-BE49-F238E27FC236}">
-                <a16:creationId xmlns:a16="http://schemas.microsoft.com/office/drawing/2014/main" id="{CDA64A22-894A-F625-1449-057B54DC7CDF}"/>
-              </a:ext>
-            </a:extLst>
-          </p:cNvPr>
+          <p:cNvPr id="6" name="Slide Number Placeholder 5"/>
           <p:cNvSpPr>
             <a:spLocks noGrp="1"/>
           </p:cNvSpPr>
@@ -3056,8 +3164,8 @@
         </p:nvSpPr>
         <p:spPr>
           <a:xfrm>
-            <a:off x="8610600" y="6356350"/>
-            <a:ext cx="2743200" cy="365125"/>
+            <a:off x="5812155" y="3983019"/>
+            <a:ext cx="1851660" cy="228795"/>
           </a:xfrm>
           <a:prstGeom prst="rect">
             <a:avLst/>
@@ -3067,7 +3175,7 @@
           <a:bodyPr vert="horz" lIns="91440" tIns="45720" rIns="91440" bIns="45720" rtlCol="0" anchor="ctr"/>
           <a:lstStyle>
             <a:lvl1pPr algn="r">
-              <a:defRPr sz="1200">
+              <a:defRPr sz="752">
                 <a:solidFill>
                   <a:schemeClr val="tx1">
                     <a:tint val="75000"/>
@@ -3088,27 +3196,27 @@
     </p:spTree>
     <p:extLst>
       <p:ext uri="{BB962C8B-B14F-4D97-AF65-F5344CB8AC3E}">
-        <p14:creationId xmlns:p14="http://schemas.microsoft.com/office/powerpoint/2010/main" val="824176816"/>
+        <p14:creationId xmlns:p14="http://schemas.microsoft.com/office/powerpoint/2010/main" val="210984914"/>
       </p:ext>
     </p:extLst>
   </p:cSld>
   <p:clrMap bg1="lt1" tx1="dk1" bg2="lt2" tx2="dk2" accent1="accent1" accent2="accent2" accent3="accent3" accent4="accent4" accent5="accent5" accent6="accent6" hlink="hlink" folHlink="folHlink"/>
   <p:sldLayoutIdLst>
-    <p:sldLayoutId id="2147483649" r:id="rId1"/>
-    <p:sldLayoutId id="2147483650" r:id="rId2"/>
-    <p:sldLayoutId id="2147483651" r:id="rId3"/>
-    <p:sldLayoutId id="2147483652" r:id="rId4"/>
-    <p:sldLayoutId id="2147483653" r:id="rId5"/>
-    <p:sldLayoutId id="2147483654" r:id="rId6"/>
-    <p:sldLayoutId id="2147483655" r:id="rId7"/>
-    <p:sldLayoutId id="2147483656" r:id="rId8"/>
-    <p:sldLayoutId id="2147483657" r:id="rId9"/>
-    <p:sldLayoutId id="2147483658" r:id="rId10"/>
-    <p:sldLayoutId id="2147483659" r:id="rId11"/>
+    <p:sldLayoutId id="2147483685" r:id="rId1"/>
+    <p:sldLayoutId id="2147483686" r:id="rId2"/>
+    <p:sldLayoutId id="2147483687" r:id="rId3"/>
+    <p:sldLayoutId id="2147483688" r:id="rId4"/>
+    <p:sldLayoutId id="2147483689" r:id="rId5"/>
+    <p:sldLayoutId id="2147483690" r:id="rId6"/>
+    <p:sldLayoutId id="2147483691" r:id="rId7"/>
+    <p:sldLayoutId id="2147483692" r:id="rId8"/>
+    <p:sldLayoutId id="2147483693" r:id="rId9"/>
+    <p:sldLayoutId id="2147483694" r:id="rId10"/>
+    <p:sldLayoutId id="2147483695" r:id="rId11"/>
   </p:sldLayoutIdLst>
   <p:txStyles>
     <p:titleStyle>
-      <a:lvl1pPr algn="l" defTabSz="914400" rtl="0" eaLnBrk="1" latinLnBrk="0" hangingPunct="1">
+      <a:lvl1pPr algn="l" defTabSz="572963" rtl="0" eaLnBrk="1" latinLnBrk="0" hangingPunct="1">
         <a:lnSpc>
           <a:spcPct val="90000"/>
         </a:lnSpc>
@@ -3116,7 +3224,7 @@
           <a:spcPct val="0"/>
         </a:spcBef>
         <a:buNone/>
-        <a:defRPr sz="4400" kern="1200">
+        <a:defRPr sz="2757" kern="1200">
           <a:solidFill>
             <a:schemeClr val="tx1"/>
           </a:solidFill>
@@ -3127,16 +3235,16 @@
       </a:lvl1pPr>
     </p:titleStyle>
     <p:bodyStyle>
-      <a:lvl1pPr marL="228600" indent="-228600" algn="l" defTabSz="914400" rtl="0" eaLnBrk="1" latinLnBrk="0" hangingPunct="1">
+      <a:lvl1pPr marL="143241" indent="-143241" algn="l" defTabSz="572963" rtl="0" eaLnBrk="1" latinLnBrk="0" hangingPunct="1">
         <a:lnSpc>
           <a:spcPct val="90000"/>
         </a:lnSpc>
         <a:spcBef>
-          <a:spcPts val="1000"/>
+          <a:spcPts val="627"/>
         </a:spcBef>
         <a:buFont typeface="Arial" panose="020B0604020202020204" pitchFamily="34" charset="0"/>
         <a:buChar char="•"/>
-        <a:defRPr sz="2800" kern="1200">
+        <a:defRPr sz="1754" kern="1200">
           <a:solidFill>
             <a:schemeClr val="tx1"/>
           </a:solidFill>
@@ -3145,16 +3253,16 @@
           <a:cs typeface="+mn-cs"/>
         </a:defRPr>
       </a:lvl1pPr>
-      <a:lvl2pPr marL="685800" indent="-228600" algn="l" defTabSz="914400" rtl="0" eaLnBrk="1" latinLnBrk="0" hangingPunct="1">
+      <a:lvl2pPr marL="429722" indent="-143241" algn="l" defTabSz="572963" rtl="0" eaLnBrk="1" latinLnBrk="0" hangingPunct="1">
         <a:lnSpc>
           <a:spcPct val="90000"/>
         </a:lnSpc>
         <a:spcBef>
-          <a:spcPts val="500"/>
+          <a:spcPts val="313"/>
         </a:spcBef>
         <a:buFont typeface="Arial" panose="020B0604020202020204" pitchFamily="34" charset="0"/>
         <a:buChar char="•"/>
-        <a:defRPr sz="2400" kern="1200">
+        <a:defRPr sz="1504" kern="1200">
           <a:solidFill>
             <a:schemeClr val="tx1"/>
           </a:solidFill>
@@ -3163,16 +3271,16 @@
           <a:cs typeface="+mn-cs"/>
         </a:defRPr>
       </a:lvl2pPr>
-      <a:lvl3pPr marL="1143000" indent="-228600" algn="l" defTabSz="914400" rtl="0" eaLnBrk="1" latinLnBrk="0" hangingPunct="1">
+      <a:lvl3pPr marL="716204" indent="-143241" algn="l" defTabSz="572963" rtl="0" eaLnBrk="1" latinLnBrk="0" hangingPunct="1">
         <a:lnSpc>
           <a:spcPct val="90000"/>
         </a:lnSpc>
         <a:spcBef>
-          <a:spcPts val="500"/>
+          <a:spcPts val="313"/>
         </a:spcBef>
         <a:buFont typeface="Arial" panose="020B0604020202020204" pitchFamily="34" charset="0"/>
         <a:buChar char="•"/>
-        <a:defRPr sz="2000" kern="1200">
+        <a:defRPr sz="1253" kern="1200">
           <a:solidFill>
             <a:schemeClr val="tx1"/>
           </a:solidFill>
@@ -3181,16 +3289,16 @@
           <a:cs typeface="+mn-cs"/>
         </a:defRPr>
       </a:lvl3pPr>
-      <a:lvl4pPr marL="1600200" indent="-228600" algn="l" defTabSz="914400" rtl="0" eaLnBrk="1" latinLnBrk="0" hangingPunct="1">
+      <a:lvl4pPr marL="1002685" indent="-143241" algn="l" defTabSz="572963" rtl="0" eaLnBrk="1" latinLnBrk="0" hangingPunct="1">
         <a:lnSpc>
           <a:spcPct val="90000"/>
         </a:lnSpc>
         <a:spcBef>
-          <a:spcPts val="500"/>
+          <a:spcPts val="313"/>
         </a:spcBef>
         <a:buFont typeface="Arial" panose="020B0604020202020204" pitchFamily="34" charset="0"/>
         <a:buChar char="•"/>
-        <a:defRPr sz="1800" kern="1200">
+        <a:defRPr sz="1128" kern="1200">
           <a:solidFill>
             <a:schemeClr val="tx1"/>
           </a:solidFill>
@@ -3199,16 +3307,16 @@
           <a:cs typeface="+mn-cs"/>
         </a:defRPr>
       </a:lvl4pPr>
-      <a:lvl5pPr marL="2057400" indent="-228600" algn="l" defTabSz="914400" rtl="0" eaLnBrk="1" latinLnBrk="0" hangingPunct="1">
+      <a:lvl5pPr marL="1289167" indent="-143241" algn="l" defTabSz="572963" rtl="0" eaLnBrk="1" latinLnBrk="0" hangingPunct="1">
         <a:lnSpc>
           <a:spcPct val="90000"/>
         </a:lnSpc>
         <a:spcBef>
-          <a:spcPts val="500"/>
+          <a:spcPts val="313"/>
         </a:spcBef>
         <a:buFont typeface="Arial" panose="020B0604020202020204" pitchFamily="34" charset="0"/>
         <a:buChar char="•"/>
-        <a:defRPr sz="1800" kern="1200">
+        <a:defRPr sz="1128" kern="1200">
           <a:solidFill>
             <a:schemeClr val="tx1"/>
           </a:solidFill>
@@ -3217,16 +3325,16 @@
           <a:cs typeface="+mn-cs"/>
         </a:defRPr>
       </a:lvl5pPr>
-      <a:lvl6pPr marL="2514600" indent="-228600" algn="l" defTabSz="914400" rtl="0" eaLnBrk="1" latinLnBrk="0" hangingPunct="1">
+      <a:lvl6pPr marL="1575648" indent="-143241" algn="l" defTabSz="572963" rtl="0" eaLnBrk="1" latinLnBrk="0" hangingPunct="1">
         <a:lnSpc>
           <a:spcPct val="90000"/>
         </a:lnSpc>
         <a:spcBef>
-          <a:spcPts val="500"/>
+          <a:spcPts val="313"/>
         </a:spcBef>
         <a:buFont typeface="Arial" panose="020B0604020202020204" pitchFamily="34" charset="0"/>
         <a:buChar char="•"/>
-        <a:defRPr sz="1800" kern="1200">
+        <a:defRPr sz="1128" kern="1200">
           <a:solidFill>
             <a:schemeClr val="tx1"/>
           </a:solidFill>
@@ -3235,16 +3343,16 @@
           <a:cs typeface="+mn-cs"/>
         </a:defRPr>
       </a:lvl6pPr>
-      <a:lvl7pPr marL="2971800" indent="-228600" algn="l" defTabSz="914400" rtl="0" eaLnBrk="1" latinLnBrk="0" hangingPunct="1">
+      <a:lvl7pPr marL="1862130" indent="-143241" algn="l" defTabSz="572963" rtl="0" eaLnBrk="1" latinLnBrk="0" hangingPunct="1">
         <a:lnSpc>
           <a:spcPct val="90000"/>
         </a:lnSpc>
         <a:spcBef>
-          <a:spcPts val="500"/>
+          <a:spcPts val="313"/>
         </a:spcBef>
         <a:buFont typeface="Arial" panose="020B0604020202020204" pitchFamily="34" charset="0"/>
         <a:buChar char="•"/>
-        <a:defRPr sz="1800" kern="1200">
+        <a:defRPr sz="1128" kern="1200">
           <a:solidFill>
             <a:schemeClr val="tx1"/>
           </a:solidFill>
@@ -3253,16 +3361,16 @@
           <a:cs typeface="+mn-cs"/>
         </a:defRPr>
       </a:lvl7pPr>
-      <a:lvl8pPr marL="3429000" indent="-228600" algn="l" defTabSz="914400" rtl="0" eaLnBrk="1" latinLnBrk="0" hangingPunct="1">
+      <a:lvl8pPr marL="2148611" indent="-143241" algn="l" defTabSz="572963" rtl="0" eaLnBrk="1" latinLnBrk="0" hangingPunct="1">
         <a:lnSpc>
           <a:spcPct val="90000"/>
         </a:lnSpc>
         <a:spcBef>
-          <a:spcPts val="500"/>
+          <a:spcPts val="313"/>
         </a:spcBef>
         <a:buFont typeface="Arial" panose="020B0604020202020204" pitchFamily="34" charset="0"/>
         <a:buChar char="•"/>
-        <a:defRPr sz="1800" kern="1200">
+        <a:defRPr sz="1128" kern="1200">
           <a:solidFill>
             <a:schemeClr val="tx1"/>
           </a:solidFill>
@@ -3271,16 +3379,16 @@
           <a:cs typeface="+mn-cs"/>
         </a:defRPr>
       </a:lvl8pPr>
-      <a:lvl9pPr marL="3886200" indent="-228600" algn="l" defTabSz="914400" rtl="0" eaLnBrk="1" latinLnBrk="0" hangingPunct="1">
+      <a:lvl9pPr marL="2435093" indent="-143241" algn="l" defTabSz="572963" rtl="0" eaLnBrk="1" latinLnBrk="0" hangingPunct="1">
         <a:lnSpc>
           <a:spcPct val="90000"/>
         </a:lnSpc>
         <a:spcBef>
-          <a:spcPts val="500"/>
+          <a:spcPts val="313"/>
         </a:spcBef>
         <a:buFont typeface="Arial" panose="020B0604020202020204" pitchFamily="34" charset="0"/>
         <a:buChar char="•"/>
-        <a:defRPr sz="1800" kern="1200">
+        <a:defRPr sz="1128" kern="1200">
           <a:solidFill>
             <a:schemeClr val="tx1"/>
           </a:solidFill>
@@ -3294,8 +3402,8 @@
       <a:defPPr>
         <a:defRPr lang="en-US"/>
       </a:defPPr>
-      <a:lvl1pPr marL="0" algn="l" defTabSz="914400" rtl="0" eaLnBrk="1" latinLnBrk="0" hangingPunct="1">
-        <a:defRPr sz="1800" kern="1200">
+      <a:lvl1pPr marL="0" algn="l" defTabSz="572963" rtl="0" eaLnBrk="1" latinLnBrk="0" hangingPunct="1">
+        <a:defRPr sz="1128" kern="1200">
           <a:solidFill>
             <a:schemeClr val="tx1"/>
           </a:solidFill>
@@ -3304,8 +3412,8 @@
           <a:cs typeface="+mn-cs"/>
         </a:defRPr>
       </a:lvl1pPr>
-      <a:lvl2pPr marL="457200" algn="l" defTabSz="914400" rtl="0" eaLnBrk="1" latinLnBrk="0" hangingPunct="1">
-        <a:defRPr sz="1800" kern="1200">
+      <a:lvl2pPr marL="286482" algn="l" defTabSz="572963" rtl="0" eaLnBrk="1" latinLnBrk="0" hangingPunct="1">
+        <a:defRPr sz="1128" kern="1200">
           <a:solidFill>
             <a:schemeClr val="tx1"/>
           </a:solidFill>
@@ -3314,8 +3422,8 @@
           <a:cs typeface="+mn-cs"/>
         </a:defRPr>
       </a:lvl2pPr>
-      <a:lvl3pPr marL="914400" algn="l" defTabSz="914400" rtl="0" eaLnBrk="1" latinLnBrk="0" hangingPunct="1">
-        <a:defRPr sz="1800" kern="1200">
+      <a:lvl3pPr marL="572963" algn="l" defTabSz="572963" rtl="0" eaLnBrk="1" latinLnBrk="0" hangingPunct="1">
+        <a:defRPr sz="1128" kern="1200">
           <a:solidFill>
             <a:schemeClr val="tx1"/>
           </a:solidFill>
@@ -3324,8 +3432,8 @@
           <a:cs typeface="+mn-cs"/>
         </a:defRPr>
       </a:lvl3pPr>
-      <a:lvl4pPr marL="1371600" algn="l" defTabSz="914400" rtl="0" eaLnBrk="1" latinLnBrk="0" hangingPunct="1">
-        <a:defRPr sz="1800" kern="1200">
+      <a:lvl4pPr marL="859445" algn="l" defTabSz="572963" rtl="0" eaLnBrk="1" latinLnBrk="0" hangingPunct="1">
+        <a:defRPr sz="1128" kern="1200">
           <a:solidFill>
             <a:schemeClr val="tx1"/>
           </a:solidFill>
@@ -3334,8 +3442,8 @@
           <a:cs typeface="+mn-cs"/>
         </a:defRPr>
       </a:lvl4pPr>
-      <a:lvl5pPr marL="1828800" algn="l" defTabSz="914400" rtl="0" eaLnBrk="1" latinLnBrk="0" hangingPunct="1">
-        <a:defRPr sz="1800" kern="1200">
+      <a:lvl5pPr marL="1145926" algn="l" defTabSz="572963" rtl="0" eaLnBrk="1" latinLnBrk="0" hangingPunct="1">
+        <a:defRPr sz="1128" kern="1200">
           <a:solidFill>
             <a:schemeClr val="tx1"/>
           </a:solidFill>
@@ -3344,8 +3452,8 @@
           <a:cs typeface="+mn-cs"/>
         </a:defRPr>
       </a:lvl5pPr>
-      <a:lvl6pPr marL="2286000" algn="l" defTabSz="914400" rtl="0" eaLnBrk="1" latinLnBrk="0" hangingPunct="1">
-        <a:defRPr sz="1800" kern="1200">
+      <a:lvl6pPr marL="1432408" algn="l" defTabSz="572963" rtl="0" eaLnBrk="1" latinLnBrk="0" hangingPunct="1">
+        <a:defRPr sz="1128" kern="1200">
           <a:solidFill>
             <a:schemeClr val="tx1"/>
           </a:solidFill>
@@ -3354,8 +3462,8 @@
           <a:cs typeface="+mn-cs"/>
         </a:defRPr>
       </a:lvl6pPr>
-      <a:lvl7pPr marL="2743200" algn="l" defTabSz="914400" rtl="0" eaLnBrk="1" latinLnBrk="0" hangingPunct="1">
-        <a:defRPr sz="1800" kern="1200">
+      <a:lvl7pPr marL="1718889" algn="l" defTabSz="572963" rtl="0" eaLnBrk="1" latinLnBrk="0" hangingPunct="1">
+        <a:defRPr sz="1128" kern="1200">
           <a:solidFill>
             <a:schemeClr val="tx1"/>
           </a:solidFill>
@@ -3364,8 +3472,8 @@
           <a:cs typeface="+mn-cs"/>
         </a:defRPr>
       </a:lvl7pPr>
-      <a:lvl8pPr marL="3200400" algn="l" defTabSz="914400" rtl="0" eaLnBrk="1" latinLnBrk="0" hangingPunct="1">
-        <a:defRPr sz="1800" kern="1200">
+      <a:lvl8pPr marL="2005371" algn="l" defTabSz="572963" rtl="0" eaLnBrk="1" latinLnBrk="0" hangingPunct="1">
+        <a:defRPr sz="1128" kern="1200">
           <a:solidFill>
             <a:schemeClr val="tx1"/>
           </a:solidFill>
@@ -3374,8 +3482,8 @@
           <a:cs typeface="+mn-cs"/>
         </a:defRPr>
       </a:lvl8pPr>
-      <a:lvl9pPr marL="3657600" algn="l" defTabSz="914400" rtl="0" eaLnBrk="1" latinLnBrk="0" hangingPunct="1">
-        <a:defRPr sz="1800" kern="1200">
+      <a:lvl9pPr marL="2291852" algn="l" defTabSz="572963" rtl="0" eaLnBrk="1" latinLnBrk="0" hangingPunct="1">
+        <a:defRPr sz="1128" kern="1200">
           <a:solidFill>
             <a:schemeClr val="tx1"/>
           </a:solidFill>
@@ -3408,10 +3516,10 @@
       </p:grpSpPr>
       <p:sp>
         <p:nvSpPr>
-          <p:cNvPr id="4" name="Rectangle 3">
+          <p:cNvPr id="50" name="Rectangle 49">
             <a:extLst>
               <a:ext uri="{FF2B5EF4-FFF2-40B4-BE49-F238E27FC236}">
-                <a16:creationId xmlns:a16="http://schemas.microsoft.com/office/drawing/2014/main" id="{546225C8-FACD-6097-FB85-12F4D8553630}"/>
+                <a16:creationId xmlns:a16="http://schemas.microsoft.com/office/drawing/2014/main" id="{2CF50149-1322-8AEA-CA1C-4CB6A9506E03}"/>
               </a:ext>
             </a:extLst>
           </p:cNvPr>
@@ -3420,7 +3528,7 @@
         </p:nvSpPr>
         <p:spPr>
           <a:xfrm>
-            <a:off x="4462750" y="1523789"/>
+            <a:off x="2545634" y="763800"/>
             <a:ext cx="2267339" cy="979714"/>
           </a:xfrm>
           <a:prstGeom prst="rect">
@@ -3483,10 +3591,10 @@
       </p:sp>
       <p:sp>
         <p:nvSpPr>
-          <p:cNvPr id="5" name="Rectangle 4">
+          <p:cNvPr id="51" name="Rectangle 50">
             <a:extLst>
               <a:ext uri="{FF2B5EF4-FFF2-40B4-BE49-F238E27FC236}">
-                <a16:creationId xmlns:a16="http://schemas.microsoft.com/office/drawing/2014/main" id="{322AB1EE-F4B2-1DBE-BA49-E3DC0026DD90}"/>
+                <a16:creationId xmlns:a16="http://schemas.microsoft.com/office/drawing/2014/main" id="{77AC6129-98BD-8FDB-FD8C-D35D4AE3EF2D}"/>
               </a:ext>
             </a:extLst>
           </p:cNvPr>
@@ -3495,7 +3603,7 @@
         </p:nvSpPr>
         <p:spPr>
           <a:xfrm>
-            <a:off x="4462750" y="2785898"/>
+            <a:off x="2545634" y="2025909"/>
             <a:ext cx="2267339" cy="979714"/>
           </a:xfrm>
           <a:prstGeom prst="rect">
@@ -3547,10 +3655,10 @@
       </p:sp>
       <p:sp>
         <p:nvSpPr>
-          <p:cNvPr id="6" name="Rectangle 5">
+          <p:cNvPr id="52" name="Rectangle 51">
             <a:extLst>
               <a:ext uri="{FF2B5EF4-FFF2-40B4-BE49-F238E27FC236}">
-                <a16:creationId xmlns:a16="http://schemas.microsoft.com/office/drawing/2014/main" id="{04D88026-B9E8-EE9B-660A-FF09E719E157}"/>
+                <a16:creationId xmlns:a16="http://schemas.microsoft.com/office/drawing/2014/main" id="{BEEF4F88-1FF8-0922-EE0D-FEEF7B4667A9}"/>
               </a:ext>
             </a:extLst>
           </p:cNvPr>
@@ -3559,7 +3667,7 @@
         </p:nvSpPr>
         <p:spPr>
           <a:xfrm>
-            <a:off x="4462750" y="4048007"/>
+            <a:off x="2545634" y="3288018"/>
             <a:ext cx="2267339" cy="979714"/>
           </a:xfrm>
           <a:prstGeom prst="rect">
@@ -3611,10 +3719,10 @@
       </p:sp>
       <p:cxnSp>
         <p:nvCxnSpPr>
-          <p:cNvPr id="8" name="Straight Arrow Connector 7">
+          <p:cNvPr id="53" name="Straight Arrow Connector 52">
             <a:extLst>
               <a:ext uri="{FF2B5EF4-FFF2-40B4-BE49-F238E27FC236}">
-                <a16:creationId xmlns:a16="http://schemas.microsoft.com/office/drawing/2014/main" id="{BA38BF00-5AA1-9D65-3BCD-D575B79CB2D4}"/>
+                <a16:creationId xmlns:a16="http://schemas.microsoft.com/office/drawing/2014/main" id="{583485B2-94B6-96E9-6522-2178538CB4B5}"/>
               </a:ext>
             </a:extLst>
           </p:cNvPr>
@@ -3623,7 +3731,7 @@
         </p:nvCxnSpPr>
         <p:spPr>
           <a:xfrm>
-            <a:off x="3628249" y="2013646"/>
+            <a:off x="1711133" y="1253657"/>
             <a:ext cx="834501" cy="0"/>
           </a:xfrm>
           <a:prstGeom prst="straightConnector1">
@@ -3653,10 +3761,10 @@
       </p:cxnSp>
       <p:cxnSp>
         <p:nvCxnSpPr>
-          <p:cNvPr id="9" name="Straight Arrow Connector 8">
+          <p:cNvPr id="54" name="Straight Arrow Connector 53">
             <a:extLst>
               <a:ext uri="{FF2B5EF4-FFF2-40B4-BE49-F238E27FC236}">
-                <a16:creationId xmlns:a16="http://schemas.microsoft.com/office/drawing/2014/main" id="{2EFF61E3-7AF9-F939-4AFD-EC2AB38CEE78}"/>
+                <a16:creationId xmlns:a16="http://schemas.microsoft.com/office/drawing/2014/main" id="{E9BC11FA-C8A0-AF52-8748-243C6F61FF42}"/>
               </a:ext>
             </a:extLst>
           </p:cNvPr>
@@ -3665,7 +3773,7 @@
         </p:nvCxnSpPr>
         <p:spPr>
           <a:xfrm>
-            <a:off x="3628249" y="3275755"/>
+            <a:off x="1711133" y="2515766"/>
             <a:ext cx="834501" cy="0"/>
           </a:xfrm>
           <a:prstGeom prst="straightConnector1">
@@ -3695,10 +3803,10 @@
       </p:cxnSp>
       <p:cxnSp>
         <p:nvCxnSpPr>
-          <p:cNvPr id="10" name="Straight Arrow Connector 9">
+          <p:cNvPr id="55" name="Straight Arrow Connector 54">
             <a:extLst>
               <a:ext uri="{FF2B5EF4-FFF2-40B4-BE49-F238E27FC236}">
-                <a16:creationId xmlns:a16="http://schemas.microsoft.com/office/drawing/2014/main" id="{9C8660A3-9699-BF78-0C3C-48EE02676CC0}"/>
+                <a16:creationId xmlns:a16="http://schemas.microsoft.com/office/drawing/2014/main" id="{B29DE207-6F87-7389-D36C-0740209D33BE}"/>
               </a:ext>
             </a:extLst>
           </p:cNvPr>
@@ -3707,7 +3815,7 @@
         </p:nvCxnSpPr>
         <p:spPr>
           <a:xfrm>
-            <a:off x="3628249" y="4537864"/>
+            <a:off x="1711133" y="3777875"/>
             <a:ext cx="834501" cy="0"/>
           </a:xfrm>
           <a:prstGeom prst="straightConnector1">
@@ -3737,10 +3845,10 @@
       </p:cxnSp>
       <p:cxnSp>
         <p:nvCxnSpPr>
-          <p:cNvPr id="11" name="Straight Arrow Connector 10">
+          <p:cNvPr id="56" name="Straight Arrow Connector 55">
             <a:extLst>
               <a:ext uri="{FF2B5EF4-FFF2-40B4-BE49-F238E27FC236}">
-                <a16:creationId xmlns:a16="http://schemas.microsoft.com/office/drawing/2014/main" id="{7E152909-15B6-EE70-BB2D-028BCE35F7F7}"/>
+                <a16:creationId xmlns:a16="http://schemas.microsoft.com/office/drawing/2014/main" id="{642DB7BC-5498-7C62-3B2F-C8B00567765C}"/>
               </a:ext>
             </a:extLst>
           </p:cNvPr>
@@ -3749,7 +3857,7 @@
         </p:nvCxnSpPr>
         <p:spPr>
           <a:xfrm>
-            <a:off x="6730089" y="4537864"/>
+            <a:off x="4812973" y="3777875"/>
             <a:ext cx="834501" cy="0"/>
           </a:xfrm>
           <a:prstGeom prst="straightConnector1">
@@ -3779,10 +3887,10 @@
       </p:cxnSp>
       <p:cxnSp>
         <p:nvCxnSpPr>
-          <p:cNvPr id="12" name="Straight Arrow Connector 11">
+          <p:cNvPr id="57" name="Straight Arrow Connector 56">
             <a:extLst>
               <a:ext uri="{FF2B5EF4-FFF2-40B4-BE49-F238E27FC236}">
-                <a16:creationId xmlns:a16="http://schemas.microsoft.com/office/drawing/2014/main" id="{411D173F-8FA4-D7C2-CC80-E0DF77FE4742}"/>
+                <a16:creationId xmlns:a16="http://schemas.microsoft.com/office/drawing/2014/main" id="{14D7096C-BDE8-0ECC-A565-562F5795280B}"/>
               </a:ext>
             </a:extLst>
           </p:cNvPr>
@@ -3791,7 +3899,7 @@
         </p:nvCxnSpPr>
         <p:spPr>
           <a:xfrm>
-            <a:off x="6730089" y="3275755"/>
+            <a:off x="4812973" y="2515766"/>
             <a:ext cx="834501" cy="0"/>
           </a:xfrm>
           <a:prstGeom prst="straightConnector1">
@@ -3821,10 +3929,10 @@
       </p:cxnSp>
       <p:cxnSp>
         <p:nvCxnSpPr>
-          <p:cNvPr id="13" name="Straight Arrow Connector 12">
+          <p:cNvPr id="58" name="Straight Arrow Connector 57">
             <a:extLst>
               <a:ext uri="{FF2B5EF4-FFF2-40B4-BE49-F238E27FC236}">
-                <a16:creationId xmlns:a16="http://schemas.microsoft.com/office/drawing/2014/main" id="{755F482A-DBBC-8D9F-E679-02ECE1C9B7D0}"/>
+                <a16:creationId xmlns:a16="http://schemas.microsoft.com/office/drawing/2014/main" id="{FEA65B82-B01E-850A-FA0F-4CA24E008AEA}"/>
               </a:ext>
             </a:extLst>
           </p:cNvPr>
@@ -3833,7 +3941,7 @@
         </p:nvCxnSpPr>
         <p:spPr>
           <a:xfrm>
-            <a:off x="6730088" y="2013646"/>
+            <a:off x="4812972" y="1253657"/>
             <a:ext cx="834501" cy="0"/>
           </a:xfrm>
           <a:prstGeom prst="straightConnector1">
@@ -3863,10 +3971,10 @@
       </p:cxnSp>
       <p:sp>
         <p:nvSpPr>
-          <p:cNvPr id="14" name="TextBox 13">
+          <p:cNvPr id="59" name="TextBox 58">
             <a:extLst>
               <a:ext uri="{FF2B5EF4-FFF2-40B4-BE49-F238E27FC236}">
-                <a16:creationId xmlns:a16="http://schemas.microsoft.com/office/drawing/2014/main" id="{19C05932-A695-4814-B223-1B5FCA052768}"/>
+                <a16:creationId xmlns:a16="http://schemas.microsoft.com/office/drawing/2014/main" id="{12EE6DC5-7088-3618-2AC3-F441D234DA37}"/>
               </a:ext>
             </a:extLst>
           </p:cNvPr>
@@ -3875,7 +3983,7 @@
         </p:nvSpPr>
         <p:spPr>
           <a:xfrm>
-            <a:off x="2004910" y="3036772"/>
+            <a:off x="87794" y="2276783"/>
             <a:ext cx="1577676" cy="461665"/>
           </a:xfrm>
           <a:prstGeom prst="rect">
@@ -3911,10 +4019,10 @@
       </p:sp>
       <p:sp>
         <p:nvSpPr>
-          <p:cNvPr id="15" name="TextBox 14">
+          <p:cNvPr id="60" name="TextBox 59">
             <a:extLst>
               <a:ext uri="{FF2B5EF4-FFF2-40B4-BE49-F238E27FC236}">
-                <a16:creationId xmlns:a16="http://schemas.microsoft.com/office/drawing/2014/main" id="{874B9CF9-19C9-D7A1-5629-A2BD9227AEC9}"/>
+                <a16:creationId xmlns:a16="http://schemas.microsoft.com/office/drawing/2014/main" id="{502AC14F-6451-98F1-4695-FE3FDB33AD2A}"/>
               </a:ext>
             </a:extLst>
           </p:cNvPr>
@@ -3923,7 +4031,7 @@
         </p:nvSpPr>
         <p:spPr>
           <a:xfrm>
-            <a:off x="7610253" y="3045650"/>
+            <a:off x="5693137" y="2285661"/>
             <a:ext cx="1577676" cy="461665"/>
           </a:xfrm>
           <a:prstGeom prst="rect">
@@ -3959,10 +4067,10 @@
       </p:sp>
       <p:sp>
         <p:nvSpPr>
-          <p:cNvPr id="16" name="TextBox 15">
+          <p:cNvPr id="61" name="TextBox 60">
             <a:extLst>
               <a:ext uri="{FF2B5EF4-FFF2-40B4-BE49-F238E27FC236}">
-                <a16:creationId xmlns:a16="http://schemas.microsoft.com/office/drawing/2014/main" id="{A800FD2F-7F36-A4B3-26C6-75B0E7131F58}"/>
+                <a16:creationId xmlns:a16="http://schemas.microsoft.com/office/drawing/2014/main" id="{99234B84-2911-A9A9-7BC0-C2EE0CA4F3EC}"/>
               </a:ext>
             </a:extLst>
           </p:cNvPr>
@@ -3971,7 +4079,7 @@
         </p:nvSpPr>
         <p:spPr>
           <a:xfrm>
-            <a:off x="2022666" y="1782813"/>
+            <a:off x="105550" y="1022824"/>
             <a:ext cx="1577676" cy="461665"/>
           </a:xfrm>
           <a:prstGeom prst="rect">
@@ -4007,10 +4115,10 @@
       </p:sp>
       <p:sp>
         <p:nvSpPr>
-          <p:cNvPr id="17" name="TextBox 16">
+          <p:cNvPr id="62" name="TextBox 61">
             <a:extLst>
               <a:ext uri="{FF2B5EF4-FFF2-40B4-BE49-F238E27FC236}">
-                <a16:creationId xmlns:a16="http://schemas.microsoft.com/office/drawing/2014/main" id="{AC8CF966-4E79-1109-CEB5-21517B3F5C31}"/>
+                <a16:creationId xmlns:a16="http://schemas.microsoft.com/office/drawing/2014/main" id="{BB9EF498-F851-A520-1934-9E01112D1EDB}"/>
               </a:ext>
             </a:extLst>
           </p:cNvPr>
@@ -4019,7 +4127,7 @@
         </p:nvSpPr>
         <p:spPr>
           <a:xfrm>
-            <a:off x="7601375" y="4307031"/>
+            <a:off x="5684259" y="3547042"/>
             <a:ext cx="1577676" cy="461665"/>
           </a:xfrm>
           <a:prstGeom prst="rect">
@@ -4055,10 +4163,10 @@
       </p:sp>
       <p:sp>
         <p:nvSpPr>
-          <p:cNvPr id="19" name="TextBox 18">
+          <p:cNvPr id="63" name="TextBox 62">
             <a:extLst>
               <a:ext uri="{FF2B5EF4-FFF2-40B4-BE49-F238E27FC236}">
-                <a16:creationId xmlns:a16="http://schemas.microsoft.com/office/drawing/2014/main" id="{B77C2D70-7AF2-4A71-22FC-67B8FA4909B8}"/>
+                <a16:creationId xmlns:a16="http://schemas.microsoft.com/office/drawing/2014/main" id="{D977F581-40DB-E5B8-F5F1-2087389127E9}"/>
               </a:ext>
             </a:extLst>
           </p:cNvPr>
@@ -4067,7 +4175,7 @@
         </p:nvSpPr>
         <p:spPr>
           <a:xfrm>
-            <a:off x="2022666" y="4298153"/>
+            <a:off x="105550" y="3538164"/>
             <a:ext cx="1605824" cy="461665"/>
           </a:xfrm>
           <a:prstGeom prst="rect">
@@ -4099,10 +4207,10 @@
       </p:sp>
       <p:sp>
         <p:nvSpPr>
-          <p:cNvPr id="20" name="TextBox 19">
+          <p:cNvPr id="64" name="TextBox 63">
             <a:extLst>
               <a:ext uri="{FF2B5EF4-FFF2-40B4-BE49-F238E27FC236}">
-                <a16:creationId xmlns:a16="http://schemas.microsoft.com/office/drawing/2014/main" id="{078A0C82-F2B2-A373-ED21-5D26B5B8897A}"/>
+                <a16:creationId xmlns:a16="http://schemas.microsoft.com/office/drawing/2014/main" id="{EE9D21AE-B957-4E96-1691-6F172CF9CF55}"/>
               </a:ext>
             </a:extLst>
           </p:cNvPr>
@@ -4111,7 +4219,7 @@
         </p:nvSpPr>
         <p:spPr>
           <a:xfrm>
-            <a:off x="7564589" y="1791691"/>
+            <a:off x="5647473" y="1031702"/>
             <a:ext cx="2537618" cy="461665"/>
           </a:xfrm>
           <a:prstGeom prst="rect">
@@ -4147,10 +4255,10 @@
       </p:sp>
       <p:sp>
         <p:nvSpPr>
-          <p:cNvPr id="21" name="TextBox 20">
+          <p:cNvPr id="65" name="TextBox 64">
             <a:extLst>
               <a:ext uri="{FF2B5EF4-FFF2-40B4-BE49-F238E27FC236}">
-                <a16:creationId xmlns:a16="http://schemas.microsoft.com/office/drawing/2014/main" id="{DB30B731-DECF-BAF7-56F8-A9DF967026B2}"/>
+                <a16:creationId xmlns:a16="http://schemas.microsoft.com/office/drawing/2014/main" id="{EF536F3F-B822-C4EF-6578-EC477E3657B2}"/>
               </a:ext>
             </a:extLst>
           </p:cNvPr>
@@ -4159,7 +4267,7 @@
         </p:nvSpPr>
         <p:spPr>
           <a:xfrm>
-            <a:off x="3864214" y="637107"/>
+            <a:off x="1947098" y="-122882"/>
             <a:ext cx="3464410" cy="523220"/>
           </a:xfrm>
           <a:prstGeom prst="rect">
@@ -4197,7 +4305,7 @@
 <file path=ppt/theme/theme1.xml><?xml version="1.0" encoding="utf-8"?>
 <a:theme xmlns:a="http://schemas.openxmlformats.org/drawingml/2006/main" name="Office Theme">
   <a:themeElements>
-    <a:clrScheme name="Office">
+    <a:clrScheme name="Office Theme">
       <a:dk1>
         <a:sysClr val="windowText" lastClr="000000"/>
       </a:dk1>
@@ -4235,7 +4343,7 @@
         <a:srgbClr val="954F72"/>
       </a:folHlink>
     </a:clrScheme>
-    <a:fontScheme name="Office">
+    <a:fontScheme name="Office Theme">
       <a:majorFont>
         <a:latin typeface="Calibri Light" panose="020F0302020204030204"/>
         <a:ea typeface=""/>
@@ -4270,23 +4378,6 @@
         <a:font script="Viet" typeface="Times New Roman"/>
         <a:font script="Uigh" typeface="Microsoft Uighur"/>
         <a:font script="Geor" typeface="Sylfaen"/>
-        <a:font script="Armn" typeface="Arial"/>
-        <a:font script="Bugi" typeface="Leelawadee UI"/>
-        <a:font script="Bopo" typeface="Microsoft JhengHei"/>
-        <a:font script="Java" typeface="Javanese Text"/>
-        <a:font script="Lisu" typeface="Segoe UI"/>
-        <a:font script="Mymr" typeface="Myanmar Text"/>
-        <a:font script="Nkoo" typeface="Ebrima"/>
-        <a:font script="Olck" typeface="Nirmala UI"/>
-        <a:font script="Osma" typeface="Ebrima"/>
-        <a:font script="Phag" typeface="Phagspa"/>
-        <a:font script="Syrn" typeface="Estrangelo Edessa"/>
-        <a:font script="Syrj" typeface="Estrangelo Edessa"/>
-        <a:font script="Syre" typeface="Estrangelo Edessa"/>
-        <a:font script="Sora" typeface="Nirmala UI"/>
-        <a:font script="Tale" typeface="Microsoft Tai Le"/>
-        <a:font script="Talu" typeface="Microsoft New Tai Lue"/>
-        <a:font script="Tfng" typeface="Ebrima"/>
       </a:majorFont>
       <a:minorFont>
         <a:latin typeface="Calibri" panose="020F0502020204030204"/>
@@ -4322,26 +4413,9 @@
         <a:font script="Viet" typeface="Arial"/>
         <a:font script="Uigh" typeface="Microsoft Uighur"/>
         <a:font script="Geor" typeface="Sylfaen"/>
-        <a:font script="Armn" typeface="Arial"/>
-        <a:font script="Bugi" typeface="Leelawadee UI"/>
-        <a:font script="Bopo" typeface="Microsoft JhengHei"/>
-        <a:font script="Java" typeface="Javanese Text"/>
-        <a:font script="Lisu" typeface="Segoe UI"/>
-        <a:font script="Mymr" typeface="Myanmar Text"/>
-        <a:font script="Nkoo" typeface="Ebrima"/>
-        <a:font script="Olck" typeface="Nirmala UI"/>
-        <a:font script="Osma" typeface="Ebrima"/>
-        <a:font script="Phag" typeface="Phagspa"/>
-        <a:font script="Syrn" typeface="Estrangelo Edessa"/>
-        <a:font script="Syrj" typeface="Estrangelo Edessa"/>
-        <a:font script="Syre" typeface="Estrangelo Edessa"/>
-        <a:font script="Sora" typeface="Nirmala UI"/>
-        <a:font script="Tale" typeface="Microsoft Tai Le"/>
-        <a:font script="Talu" typeface="Microsoft New Tai Lue"/>
-        <a:font script="Tfng" typeface="Ebrima"/>
       </a:minorFont>
     </a:fontScheme>
-    <a:fmtScheme name="Office">
+    <a:fmtScheme name="Office Theme">
       <a:fillStyleLst>
         <a:solidFill>
           <a:schemeClr val="phClr"/>
@@ -4483,14 +4557,8 @@
   <a:extraClrSchemeLst/>
   <a:extLst>
     <a:ext uri="{05A4C25C-085E-4340-85A3-A5531E510DB2}">
-      <thm15:themeFamily xmlns:thm15="http://schemas.microsoft.com/office/thememl/2012/main" name="Office Theme" id="{62F939B6-93AF-4DB8-9C6B-D6C7DFDC589F}" vid="{4A3C46E8-61CC-4603-A589-7422A47A8E4A}"/>
+      <thm15:themeFamily xmlns:thm15="http://schemas.microsoft.com/office/thememl/2012/main" name="Office Theme 2013 - 2022" id="{62F939B6-93AF-4DB8-9C6B-D6C7DFDC589F}" vid="{4A3C46E8-61CC-4603-A589-7422A47A8E4A}"/>
     </a:ext>
   </a:extLst>
 </a:theme>
-</file>
-
-<file path=docMetadata/LabelInfo.xml><?xml version="1.0" encoding="utf-8"?>
-<clbl:labelList xmlns:clbl="http://schemas.microsoft.com/office/2020/mipLabelMetadata">
-  <clbl:label id="{72f988bf-86f1-41af-91ab-2d7cd011db47}" enabled="0" method="" siteId="{72f988bf-86f1-41af-91ab-2d7cd011db47}" removed="1"/>
-</clbl:labelList>
 </file>